--- a/Alexander Prado - Sustentación de proyecto.pptx
+++ b/Alexander Prado - Sustentación de proyecto.pptx
@@ -130,6 +130,81 @@
 </p:presentation>
 </file>
 
+<file path=ppt/revisionInfo.xml><?xml version="1.0" encoding="utf-8"?>
+<p1510:revInfo xmlns:a="http://schemas.openxmlformats.org/drawingml/2006/main" xmlns:r="http://schemas.openxmlformats.org/officeDocument/2006/relationships" xmlns:p1510="http://schemas.microsoft.com/office/powerpoint/2015/10/main">
+  <p1510:revLst>
+    <p1510:client id="{6964D637-C09F-4A45-9CD9-B8A3E9771BC8}" v="4" dt="2025-09-30T14:34:40.970"/>
+  </p1510:revLst>
+</p1510:revInfo>
+</file>
+
+<file path=ppt/changesInfos/changesInfo1.xml><?xml version="1.0" encoding="utf-8"?>
+<pc:chgInfo xmlns:a="http://schemas.openxmlformats.org/drawingml/2006/main" xmlns:r="http://schemas.openxmlformats.org/officeDocument/2006/relationships" xmlns:ac="http://schemas.microsoft.com/office/drawing/2013/main/command" xmlns:pc="http://schemas.microsoft.com/office/powerpoint/2013/main/command">
+  <pc:docChgLst>
+    <pc:chgData name="PRADO, ALEXANDER" userId="a7d044b8-125b-432f-bb71-a22b3c344639" providerId="ADAL" clId="{6964D637-C09F-4A45-9CD9-B8A3E9771BC8}"/>
+    <pc:docChg chg="undo redo custSel modSld">
+      <pc:chgData name="PRADO, ALEXANDER" userId="a7d044b8-125b-432f-bb71-a22b3c344639" providerId="ADAL" clId="{6964D637-C09F-4A45-9CD9-B8A3E9771BC8}" dt="2025-09-30T14:53:13.583" v="1330" actId="20577"/>
+      <pc:docMkLst>
+        <pc:docMk/>
+      </pc:docMkLst>
+      <pc:sldChg chg="modSp mod">
+        <pc:chgData name="PRADO, ALEXANDER" userId="a7d044b8-125b-432f-bb71-a22b3c344639" providerId="ADAL" clId="{6964D637-C09F-4A45-9CD9-B8A3E9771BC8}" dt="2025-09-30T14:39:12.876" v="1319" actId="1076"/>
+        <pc:sldMkLst>
+          <pc:docMk/>
+          <pc:sldMk cId="101302636" sldId="256"/>
+        </pc:sldMkLst>
+        <pc:spChg chg="mod">
+          <ac:chgData name="PRADO, ALEXANDER" userId="a7d044b8-125b-432f-bb71-a22b3c344639" providerId="ADAL" clId="{6964D637-C09F-4A45-9CD9-B8A3E9771BC8}" dt="2025-09-30T14:39:12.876" v="1319" actId="1076"/>
+          <ac:spMkLst>
+            <pc:docMk/>
+            <pc:sldMk cId="101302636" sldId="256"/>
+            <ac:spMk id="9" creationId="{447E0738-B3C9-47B1-AA2B-5CAEEE4C1AED}"/>
+          </ac:spMkLst>
+        </pc:spChg>
+        <pc:spChg chg="mod">
+          <ac:chgData name="PRADO, ALEXANDER" userId="a7d044b8-125b-432f-bb71-a22b3c344639" providerId="ADAL" clId="{6964D637-C09F-4A45-9CD9-B8A3E9771BC8}" dt="2025-09-30T14:39:07.671" v="1318" actId="1076"/>
+          <ac:spMkLst>
+            <pc:docMk/>
+            <pc:sldMk cId="101302636" sldId="256"/>
+            <ac:spMk id="12" creationId="{563C1BDC-4BC0-40AB-976D-7B8BDA6F4654}"/>
+          </ac:spMkLst>
+        </pc:spChg>
+      </pc:sldChg>
+      <pc:sldChg chg="modSp mod">
+        <pc:chgData name="PRADO, ALEXANDER" userId="a7d044b8-125b-432f-bb71-a22b3c344639" providerId="ADAL" clId="{6964D637-C09F-4A45-9CD9-B8A3E9771BC8}" dt="2025-09-30T14:53:13.583" v="1330" actId="20577"/>
+        <pc:sldMkLst>
+          <pc:docMk/>
+          <pc:sldMk cId="3543859791" sldId="268"/>
+        </pc:sldMkLst>
+        <pc:spChg chg="mod">
+          <ac:chgData name="PRADO, ALEXANDER" userId="a7d044b8-125b-432f-bb71-a22b3c344639" providerId="ADAL" clId="{6964D637-C09F-4A45-9CD9-B8A3E9771BC8}" dt="2025-09-30T14:53:13.583" v="1330" actId="20577"/>
+          <ac:spMkLst>
+            <pc:docMk/>
+            <pc:sldMk cId="3543859791" sldId="268"/>
+            <ac:spMk id="8" creationId="{209D8890-06C1-4DCE-BC69-14F608DC2B18}"/>
+          </ac:spMkLst>
+        </pc:spChg>
+      </pc:sldChg>
+      <pc:sldChg chg="addSp modSp mod">
+        <pc:chgData name="PRADO, ALEXANDER" userId="a7d044b8-125b-432f-bb71-a22b3c344639" providerId="ADAL" clId="{6964D637-C09F-4A45-9CD9-B8A3E9771BC8}" dt="2025-09-30T14:34:46.595" v="1317" actId="207"/>
+        <pc:sldMkLst>
+          <pc:docMk/>
+          <pc:sldMk cId="4205393331" sldId="270"/>
+        </pc:sldMkLst>
+        <pc:spChg chg="add mod">
+          <ac:chgData name="PRADO, ALEXANDER" userId="a7d044b8-125b-432f-bb71-a22b3c344639" providerId="ADAL" clId="{6964D637-C09F-4A45-9CD9-B8A3E9771BC8}" dt="2025-09-30T14:34:46.595" v="1317" actId="207"/>
+          <ac:spMkLst>
+            <pc:docMk/>
+            <pc:sldMk cId="4205393331" sldId="270"/>
+            <ac:spMk id="3" creationId="{A506CEEA-1678-185A-FD1B-802B77B99ACB}"/>
+          </ac:spMkLst>
+        </pc:spChg>
+      </pc:sldChg>
+    </pc:docChg>
+  </pc:docChgLst>
+</pc:chgInfo>
+</file>
+
 <file path=ppt/notesMasters/notesMaster1.xml><?xml version="1.0" encoding="utf-8"?>
 <p:notesMaster xmlns:a="http://schemas.openxmlformats.org/drawingml/2006/main" xmlns:r="http://schemas.openxmlformats.org/officeDocument/2006/relationships" xmlns:p="http://schemas.openxmlformats.org/presentationml/2006/main">
   <p:cSld>
@@ -212,7 +287,7 @@
           <a:p>
             <a:fld id="{029866E3-04B6-45C9-BB29-F749382630C0}" type="datetimeFigureOut">
               <a:rPr lang="es-MX" smtClean="0"/>
-              <a:t>29/09/2025</a:t>
+              <a:t>30/09/2025</a:t>
             </a:fld>
             <a:endParaRPr lang="es-MX"/>
           </a:p>
@@ -797,7 +872,7 @@
           <a:p>
             <a:fld id="{975AE68A-893C-41E4-9ECA-66795BCD5637}" type="datetimeFigureOut">
               <a:rPr lang="es-PA" smtClean="0"/>
-              <a:t>09/29/2025</a:t>
+              <a:t>09/30/2025</a:t>
             </a:fld>
             <a:endParaRPr lang="es-PA"/>
           </a:p>
@@ -997,7 +1072,7 @@
           <a:p>
             <a:fld id="{975AE68A-893C-41E4-9ECA-66795BCD5637}" type="datetimeFigureOut">
               <a:rPr lang="es-PA" smtClean="0"/>
-              <a:t>09/29/2025</a:t>
+              <a:t>09/30/2025</a:t>
             </a:fld>
             <a:endParaRPr lang="es-PA"/>
           </a:p>
@@ -1207,7 +1282,7 @@
           <a:p>
             <a:fld id="{975AE68A-893C-41E4-9ECA-66795BCD5637}" type="datetimeFigureOut">
               <a:rPr lang="es-PA" smtClean="0"/>
-              <a:t>09/29/2025</a:t>
+              <a:t>09/30/2025</a:t>
             </a:fld>
             <a:endParaRPr lang="es-PA"/>
           </a:p>
@@ -1407,7 +1482,7 @@
           <a:p>
             <a:fld id="{975AE68A-893C-41E4-9ECA-66795BCD5637}" type="datetimeFigureOut">
               <a:rPr lang="es-PA" smtClean="0"/>
-              <a:t>09/29/2025</a:t>
+              <a:t>09/30/2025</a:t>
             </a:fld>
             <a:endParaRPr lang="es-PA"/>
           </a:p>
@@ -1683,7 +1758,7 @@
           <a:p>
             <a:fld id="{975AE68A-893C-41E4-9ECA-66795BCD5637}" type="datetimeFigureOut">
               <a:rPr lang="es-PA" smtClean="0"/>
-              <a:t>09/29/2025</a:t>
+              <a:t>09/30/2025</a:t>
             </a:fld>
             <a:endParaRPr lang="es-PA"/>
           </a:p>
@@ -1951,7 +2026,7 @@
           <a:p>
             <a:fld id="{975AE68A-893C-41E4-9ECA-66795BCD5637}" type="datetimeFigureOut">
               <a:rPr lang="es-PA" smtClean="0"/>
-              <a:t>09/29/2025</a:t>
+              <a:t>09/30/2025</a:t>
             </a:fld>
             <a:endParaRPr lang="es-PA"/>
           </a:p>
@@ -2366,7 +2441,7 @@
           <a:p>
             <a:fld id="{975AE68A-893C-41E4-9ECA-66795BCD5637}" type="datetimeFigureOut">
               <a:rPr lang="es-PA" smtClean="0"/>
-              <a:t>09/29/2025</a:t>
+              <a:t>09/30/2025</a:t>
             </a:fld>
             <a:endParaRPr lang="es-PA"/>
           </a:p>
@@ -2508,7 +2583,7 @@
           <a:p>
             <a:fld id="{975AE68A-893C-41E4-9ECA-66795BCD5637}" type="datetimeFigureOut">
               <a:rPr lang="es-PA" smtClean="0"/>
-              <a:t>09/29/2025</a:t>
+              <a:t>09/30/2025</a:t>
             </a:fld>
             <a:endParaRPr lang="es-PA"/>
           </a:p>
@@ -2621,7 +2696,7 @@
           <a:p>
             <a:fld id="{975AE68A-893C-41E4-9ECA-66795BCD5637}" type="datetimeFigureOut">
               <a:rPr lang="es-PA" smtClean="0"/>
-              <a:t>09/29/2025</a:t>
+              <a:t>09/30/2025</a:t>
             </a:fld>
             <a:endParaRPr lang="es-PA"/>
           </a:p>
@@ -2934,7 +3009,7 @@
           <a:p>
             <a:fld id="{975AE68A-893C-41E4-9ECA-66795BCD5637}" type="datetimeFigureOut">
               <a:rPr lang="es-PA" smtClean="0"/>
-              <a:t>09/29/2025</a:t>
+              <a:t>09/30/2025</a:t>
             </a:fld>
             <a:endParaRPr lang="es-PA"/>
           </a:p>
@@ -3223,7 +3298,7 @@
           <a:p>
             <a:fld id="{975AE68A-893C-41E4-9ECA-66795BCD5637}" type="datetimeFigureOut">
               <a:rPr lang="es-PA" smtClean="0"/>
-              <a:t>09/29/2025</a:t>
+              <a:t>09/30/2025</a:t>
             </a:fld>
             <a:endParaRPr lang="es-PA"/>
           </a:p>
@@ -3475,7 +3550,7 @@
           <a:p>
             <a:fld id="{975AE68A-893C-41E4-9ECA-66795BCD5637}" type="datetimeFigureOut">
               <a:rPr lang="es-PA" smtClean="0"/>
-              <a:t>09/29/2025</a:t>
+              <a:t>09/30/2025</a:t>
             </a:fld>
             <a:endParaRPr lang="es-PA"/>
           </a:p>
@@ -4202,7 +4277,7 @@
         </p:nvSpPr>
         <p:spPr>
           <a:xfrm>
-            <a:off x="2664610" y="1894759"/>
+            <a:off x="3025664" y="1894759"/>
             <a:ext cx="5977919" cy="584775"/>
           </a:xfrm>
           <a:prstGeom prst="rect">
@@ -4342,7 +4417,7 @@
         </p:nvSpPr>
         <p:spPr>
           <a:xfrm>
-            <a:off x="5035452" y="3399148"/>
+            <a:off x="5396506" y="3399148"/>
             <a:ext cx="1236236" cy="369332"/>
           </a:xfrm>
           <a:prstGeom prst="rect">
@@ -7021,7 +7096,7 @@
         <p:spPr>
           <a:xfrm>
             <a:off x="886120" y="2105235"/>
-            <a:ext cx="10742664" cy="2400657"/>
+            <a:ext cx="10742664" cy="2862322"/>
           </a:xfrm>
           <a:prstGeom prst="rect">
             <a:avLst/>
@@ -7044,40 +7119,13 @@
           <a:p>
             <a:pPr algn="ctr"/>
             <a:r>
-              <a:rPr lang="es-MX" sz="2400" b="1">
+              <a:rPr lang="es-MX" dirty="0">
                 <a:solidFill>
                   <a:schemeClr val="bg1"/>
                 </a:solidFill>
                 <a:latin typeface="Century Schoolbook" panose="02040604050505020304" pitchFamily="18" charset="0"/>
               </a:rPr>
-              <a:t>Textos, Imágenes, </a:t>
-            </a:r>
-            <a:r>
-              <a:rPr lang="es-MX" sz="2400" b="1" err="1">
-                <a:solidFill>
-                  <a:schemeClr val="bg1"/>
-                </a:solidFill>
-                <a:latin typeface="Century Schoolbook" panose="02040604050505020304" pitchFamily="18" charset="0"/>
-              </a:rPr>
-              <a:t>Graficos</a:t>
-            </a:r>
-            <a:endParaRPr lang="es-MX" sz="2400" b="1">
-              <a:solidFill>
-                <a:schemeClr val="bg1"/>
-              </a:solidFill>
-              <a:latin typeface="Century Schoolbook" panose="02040604050505020304" pitchFamily="18" charset="0"/>
-            </a:endParaRPr>
-          </a:p>
-          <a:p>
-            <a:pPr algn="ctr"/>
-            <a:r>
-              <a:rPr lang="es-MX" err="1">
-                <a:solidFill>
-                  <a:schemeClr val="bg1"/>
-                </a:solidFill>
-                <a:latin typeface="Century Schoolbook" panose="02040604050505020304" pitchFamily="18" charset="0"/>
-              </a:rPr>
-              <a:t>The</a:t>
+              <a:t>Mi recomendación principal para el ITSE seria implementar una plataforma </a:t>
             </a:r>
             <a:r>
               <a:rPr lang="es-MX">
@@ -7086,1621 +7134,93 @@
                 </a:solidFill>
                 <a:latin typeface="Century Schoolbook" panose="02040604050505020304" pitchFamily="18" charset="0"/>
               </a:rPr>
-              <a:t> </a:t>
-            </a:r>
-            <a:r>
-              <a:rPr lang="es-MX" err="1">
+              <a:t>centralizada e </a:t>
+            </a:r>
+            <a:r>
+              <a:rPr lang="es-MX" dirty="0" err="1">
                 <a:solidFill>
                   <a:schemeClr val="bg1"/>
                 </a:solidFill>
                 <a:latin typeface="Century Schoolbook" panose="02040604050505020304" pitchFamily="18" charset="0"/>
               </a:rPr>
-              <a:t>quick</a:t>
-            </a:r>
-            <a:r>
-              <a:rPr lang="es-MX">
+              <a:t>Teams</a:t>
+            </a:r>
+            <a:r>
+              <a:rPr lang="es-MX" dirty="0">
                 <a:solidFill>
                   <a:schemeClr val="bg1"/>
                 </a:solidFill>
                 <a:latin typeface="Century Schoolbook" panose="02040604050505020304" pitchFamily="18" charset="0"/>
               </a:rPr>
-              <a:t> </a:t>
-            </a:r>
-            <a:r>
-              <a:rPr lang="es-MX" err="1">
+              <a:t> para gestionar el proceso de prácticas profesionales.</a:t>
+            </a:r>
+            <a:br>
+              <a:rPr lang="es-MX" dirty="0">
                 <a:solidFill>
                   <a:schemeClr val="bg1"/>
                 </a:solidFill>
                 <a:latin typeface="Century Schoolbook" panose="02040604050505020304" pitchFamily="18" charset="0"/>
               </a:rPr>
-              <a:t>brown</a:t>
-            </a:r>
-            <a:r>
-              <a:rPr lang="es-MX">
+            </a:br>
+            <a:endParaRPr lang="es-MX" dirty="0">
+              <a:solidFill>
+                <a:schemeClr val="bg1"/>
+              </a:solidFill>
+              <a:latin typeface="Century Schoolbook" panose="02040604050505020304" pitchFamily="18" charset="0"/>
+            </a:endParaRPr>
+          </a:p>
+          <a:p>
+            <a:pPr algn="ctr"/>
+            <a:r>
+              <a:rPr lang="es-MX" dirty="0">
                 <a:solidFill>
                   <a:schemeClr val="bg1"/>
                 </a:solidFill>
                 <a:latin typeface="Century Schoolbook" panose="02040604050505020304" pitchFamily="18" charset="0"/>
               </a:rPr>
-              <a:t> </a:t>
-            </a:r>
-            <a:r>
-              <a:rPr lang="es-MX" err="1">
+              <a:t>Canal General de Avisos: Para la difusión oficial y oportuna de todas las fechas, procedimientos y comunicados a la totalidad de los estudiantes.</a:t>
+            </a:r>
+          </a:p>
+          <a:p>
+            <a:pPr algn="ctr"/>
+            <a:endParaRPr lang="es-MX" dirty="0">
+              <a:solidFill>
+                <a:schemeClr val="bg1"/>
+              </a:solidFill>
+              <a:latin typeface="Century Schoolbook" panose="02040604050505020304" pitchFamily="18" charset="0"/>
+            </a:endParaRPr>
+          </a:p>
+          <a:p>
+            <a:pPr algn="ctr"/>
+            <a:r>
+              <a:rPr lang="es-MX" dirty="0">
                 <a:solidFill>
                   <a:schemeClr val="bg1"/>
                 </a:solidFill>
                 <a:latin typeface="Century Schoolbook" panose="02040604050505020304" pitchFamily="18" charset="0"/>
               </a:rPr>
-              <a:t>fox</a:t>
-            </a:r>
-            <a:r>
-              <a:rPr lang="es-MX">
+              <a:t>Canales Específicos por Tutor: Para facilitar la comunicación directa, organizada y eficiente entre cada tutor y su grupo asignado.</a:t>
+            </a:r>
+          </a:p>
+          <a:p>
+            <a:pPr algn="ctr"/>
+            <a:endParaRPr lang="es-MX" dirty="0">
+              <a:solidFill>
+                <a:schemeClr val="bg1"/>
+              </a:solidFill>
+              <a:latin typeface="Century Schoolbook" panose="02040604050505020304" pitchFamily="18" charset="0"/>
+            </a:endParaRPr>
+          </a:p>
+          <a:p>
+            <a:pPr algn="ctr"/>
+            <a:r>
+              <a:rPr lang="es-MX" dirty="0">
                 <a:solidFill>
                   <a:schemeClr val="bg1"/>
                 </a:solidFill>
                 <a:latin typeface="Century Schoolbook" panose="02040604050505020304" pitchFamily="18" charset="0"/>
               </a:rPr>
-              <a:t> </a:t>
-            </a:r>
-            <a:r>
-              <a:rPr lang="es-MX" err="1">
-                <a:solidFill>
-                  <a:schemeClr val="bg1"/>
-                </a:solidFill>
-                <a:latin typeface="Century Schoolbook" panose="02040604050505020304" pitchFamily="18" charset="0"/>
-              </a:rPr>
-              <a:t>jumps</a:t>
-            </a:r>
-            <a:r>
-              <a:rPr lang="es-MX">
-                <a:solidFill>
-                  <a:schemeClr val="bg1"/>
-                </a:solidFill>
-                <a:latin typeface="Century Schoolbook" panose="02040604050505020304" pitchFamily="18" charset="0"/>
-              </a:rPr>
-              <a:t> </a:t>
-            </a:r>
-            <a:r>
-              <a:rPr lang="es-MX" err="1">
-                <a:solidFill>
-                  <a:schemeClr val="bg1"/>
-                </a:solidFill>
-                <a:latin typeface="Century Schoolbook" panose="02040604050505020304" pitchFamily="18" charset="0"/>
-              </a:rPr>
-              <a:t>over</a:t>
-            </a:r>
-            <a:r>
-              <a:rPr lang="es-MX">
-                <a:solidFill>
-                  <a:schemeClr val="bg1"/>
-                </a:solidFill>
-                <a:latin typeface="Century Schoolbook" panose="02040604050505020304" pitchFamily="18" charset="0"/>
-              </a:rPr>
-              <a:t> </a:t>
-            </a:r>
-            <a:r>
-              <a:rPr lang="es-MX" err="1">
-                <a:solidFill>
-                  <a:schemeClr val="bg1"/>
-                </a:solidFill>
-                <a:latin typeface="Century Schoolbook" panose="02040604050505020304" pitchFamily="18" charset="0"/>
-              </a:rPr>
-              <a:t>the</a:t>
-            </a:r>
-            <a:r>
-              <a:rPr lang="es-MX">
-                <a:solidFill>
-                  <a:schemeClr val="bg1"/>
-                </a:solidFill>
-                <a:latin typeface="Century Schoolbook" panose="02040604050505020304" pitchFamily="18" charset="0"/>
-              </a:rPr>
-              <a:t> </a:t>
-            </a:r>
-            <a:r>
-              <a:rPr lang="es-MX" err="1">
-                <a:solidFill>
-                  <a:schemeClr val="bg1"/>
-                </a:solidFill>
-                <a:latin typeface="Century Schoolbook" panose="02040604050505020304" pitchFamily="18" charset="0"/>
-              </a:rPr>
-              <a:t>lazy</a:t>
-            </a:r>
-            <a:r>
-              <a:rPr lang="es-MX">
-                <a:solidFill>
-                  <a:schemeClr val="bg1"/>
-                </a:solidFill>
-                <a:latin typeface="Century Schoolbook" panose="02040604050505020304" pitchFamily="18" charset="0"/>
-              </a:rPr>
-              <a:t> </a:t>
-            </a:r>
-            <a:r>
-              <a:rPr lang="es-MX" err="1">
-                <a:solidFill>
-                  <a:schemeClr val="bg1"/>
-                </a:solidFill>
-                <a:latin typeface="Century Schoolbook" panose="02040604050505020304" pitchFamily="18" charset="0"/>
-              </a:rPr>
-              <a:t>dog</a:t>
-            </a:r>
-            <a:r>
-              <a:rPr lang="es-MX">
-                <a:solidFill>
-                  <a:schemeClr val="bg1"/>
-                </a:solidFill>
-                <a:latin typeface="Century Schoolbook" panose="02040604050505020304" pitchFamily="18" charset="0"/>
-              </a:rPr>
-              <a:t>. </a:t>
-            </a:r>
-            <a:r>
-              <a:rPr lang="es-MX" err="1">
-                <a:solidFill>
-                  <a:schemeClr val="bg1"/>
-                </a:solidFill>
-                <a:latin typeface="Century Schoolbook" panose="02040604050505020304" pitchFamily="18" charset="0"/>
-              </a:rPr>
-              <a:t>The</a:t>
-            </a:r>
-            <a:r>
-              <a:rPr lang="es-MX">
-                <a:solidFill>
-                  <a:schemeClr val="bg1"/>
-                </a:solidFill>
-                <a:latin typeface="Century Schoolbook" panose="02040604050505020304" pitchFamily="18" charset="0"/>
-              </a:rPr>
-              <a:t> </a:t>
-            </a:r>
-            <a:r>
-              <a:rPr lang="es-MX" err="1">
-                <a:solidFill>
-                  <a:schemeClr val="bg1"/>
-                </a:solidFill>
-                <a:latin typeface="Century Schoolbook" panose="02040604050505020304" pitchFamily="18" charset="0"/>
-              </a:rPr>
-              <a:t>quick</a:t>
-            </a:r>
-            <a:r>
-              <a:rPr lang="es-MX">
-                <a:solidFill>
-                  <a:schemeClr val="bg1"/>
-                </a:solidFill>
-                <a:latin typeface="Century Schoolbook" panose="02040604050505020304" pitchFamily="18" charset="0"/>
-              </a:rPr>
-              <a:t> </a:t>
-            </a:r>
-            <a:r>
-              <a:rPr lang="es-MX" err="1">
-                <a:solidFill>
-                  <a:schemeClr val="bg1"/>
-                </a:solidFill>
-                <a:latin typeface="Century Schoolbook" panose="02040604050505020304" pitchFamily="18" charset="0"/>
-              </a:rPr>
-              <a:t>brown</a:t>
-            </a:r>
-            <a:r>
-              <a:rPr lang="es-MX">
-                <a:solidFill>
-                  <a:schemeClr val="bg1"/>
-                </a:solidFill>
-                <a:latin typeface="Century Schoolbook" panose="02040604050505020304" pitchFamily="18" charset="0"/>
-              </a:rPr>
-              <a:t> </a:t>
-            </a:r>
-            <a:r>
-              <a:rPr lang="es-MX" err="1">
-                <a:solidFill>
-                  <a:schemeClr val="bg1"/>
-                </a:solidFill>
-                <a:latin typeface="Century Schoolbook" panose="02040604050505020304" pitchFamily="18" charset="0"/>
-              </a:rPr>
-              <a:t>fox</a:t>
-            </a:r>
-            <a:r>
-              <a:rPr lang="es-MX">
-                <a:solidFill>
-                  <a:schemeClr val="bg1"/>
-                </a:solidFill>
-                <a:latin typeface="Century Schoolbook" panose="02040604050505020304" pitchFamily="18" charset="0"/>
-              </a:rPr>
-              <a:t> </a:t>
-            </a:r>
-            <a:r>
-              <a:rPr lang="es-MX" err="1">
-                <a:solidFill>
-                  <a:schemeClr val="bg1"/>
-                </a:solidFill>
-                <a:latin typeface="Century Schoolbook" panose="02040604050505020304" pitchFamily="18" charset="0"/>
-              </a:rPr>
-              <a:t>jumps</a:t>
-            </a:r>
-            <a:r>
-              <a:rPr lang="es-MX">
-                <a:solidFill>
-                  <a:schemeClr val="bg1"/>
-                </a:solidFill>
-                <a:latin typeface="Century Schoolbook" panose="02040604050505020304" pitchFamily="18" charset="0"/>
-              </a:rPr>
-              <a:t> </a:t>
-            </a:r>
-            <a:r>
-              <a:rPr lang="es-MX" err="1">
-                <a:solidFill>
-                  <a:schemeClr val="bg1"/>
-                </a:solidFill>
-                <a:latin typeface="Century Schoolbook" panose="02040604050505020304" pitchFamily="18" charset="0"/>
-              </a:rPr>
-              <a:t>over</a:t>
-            </a:r>
-            <a:r>
-              <a:rPr lang="es-MX">
-                <a:solidFill>
-                  <a:schemeClr val="bg1"/>
-                </a:solidFill>
-                <a:latin typeface="Century Schoolbook" panose="02040604050505020304" pitchFamily="18" charset="0"/>
-              </a:rPr>
-              <a:t> </a:t>
-            </a:r>
-            <a:r>
-              <a:rPr lang="es-MX" err="1">
-                <a:solidFill>
-                  <a:schemeClr val="bg1"/>
-                </a:solidFill>
-                <a:latin typeface="Century Schoolbook" panose="02040604050505020304" pitchFamily="18" charset="0"/>
-              </a:rPr>
-              <a:t>the</a:t>
-            </a:r>
-            <a:r>
-              <a:rPr lang="es-MX">
-                <a:solidFill>
-                  <a:schemeClr val="bg1"/>
-                </a:solidFill>
-                <a:latin typeface="Century Schoolbook" panose="02040604050505020304" pitchFamily="18" charset="0"/>
-              </a:rPr>
-              <a:t> </a:t>
-            </a:r>
-            <a:r>
-              <a:rPr lang="es-MX" err="1">
-                <a:solidFill>
-                  <a:schemeClr val="bg1"/>
-                </a:solidFill>
-                <a:latin typeface="Century Schoolbook" panose="02040604050505020304" pitchFamily="18" charset="0"/>
-              </a:rPr>
-              <a:t>lazy</a:t>
-            </a:r>
-            <a:r>
-              <a:rPr lang="es-MX">
-                <a:solidFill>
-                  <a:schemeClr val="bg1"/>
-                </a:solidFill>
-                <a:latin typeface="Century Schoolbook" panose="02040604050505020304" pitchFamily="18" charset="0"/>
-              </a:rPr>
-              <a:t> </a:t>
-            </a:r>
-            <a:r>
-              <a:rPr lang="es-MX" err="1">
-                <a:solidFill>
-                  <a:schemeClr val="bg1"/>
-                </a:solidFill>
-                <a:latin typeface="Century Schoolbook" panose="02040604050505020304" pitchFamily="18" charset="0"/>
-              </a:rPr>
-              <a:t>dog</a:t>
-            </a:r>
-            <a:r>
-              <a:rPr lang="es-MX">
-                <a:solidFill>
-                  <a:schemeClr val="bg1"/>
-                </a:solidFill>
-                <a:latin typeface="Century Schoolbook" panose="02040604050505020304" pitchFamily="18" charset="0"/>
-              </a:rPr>
-              <a:t>. </a:t>
-            </a:r>
-            <a:r>
-              <a:rPr lang="es-MX" err="1">
-                <a:solidFill>
-                  <a:schemeClr val="bg1"/>
-                </a:solidFill>
-                <a:latin typeface="Century Schoolbook" panose="02040604050505020304" pitchFamily="18" charset="0"/>
-              </a:rPr>
-              <a:t>The</a:t>
-            </a:r>
-            <a:r>
-              <a:rPr lang="es-MX">
-                <a:solidFill>
-                  <a:schemeClr val="bg1"/>
-                </a:solidFill>
-                <a:latin typeface="Century Schoolbook" panose="02040604050505020304" pitchFamily="18" charset="0"/>
-              </a:rPr>
-              <a:t> </a:t>
-            </a:r>
-            <a:r>
-              <a:rPr lang="es-MX" err="1">
-                <a:solidFill>
-                  <a:schemeClr val="bg1"/>
-                </a:solidFill>
-                <a:latin typeface="Century Schoolbook" panose="02040604050505020304" pitchFamily="18" charset="0"/>
-              </a:rPr>
-              <a:t>quick</a:t>
-            </a:r>
-            <a:r>
-              <a:rPr lang="es-MX">
-                <a:solidFill>
-                  <a:schemeClr val="bg1"/>
-                </a:solidFill>
-                <a:latin typeface="Century Schoolbook" panose="02040604050505020304" pitchFamily="18" charset="0"/>
-              </a:rPr>
-              <a:t> </a:t>
-            </a:r>
-            <a:r>
-              <a:rPr lang="es-MX" err="1">
-                <a:solidFill>
-                  <a:schemeClr val="bg1"/>
-                </a:solidFill>
-                <a:latin typeface="Century Schoolbook" panose="02040604050505020304" pitchFamily="18" charset="0"/>
-              </a:rPr>
-              <a:t>brown</a:t>
-            </a:r>
-            <a:r>
-              <a:rPr lang="es-MX">
-                <a:solidFill>
-                  <a:schemeClr val="bg1"/>
-                </a:solidFill>
-                <a:latin typeface="Century Schoolbook" panose="02040604050505020304" pitchFamily="18" charset="0"/>
-              </a:rPr>
-              <a:t> </a:t>
-            </a:r>
-            <a:r>
-              <a:rPr lang="es-MX" err="1">
-                <a:solidFill>
-                  <a:schemeClr val="bg1"/>
-                </a:solidFill>
-                <a:latin typeface="Century Schoolbook" panose="02040604050505020304" pitchFamily="18" charset="0"/>
-              </a:rPr>
-              <a:t>fox</a:t>
-            </a:r>
-            <a:r>
-              <a:rPr lang="es-MX">
-                <a:solidFill>
-                  <a:schemeClr val="bg1"/>
-                </a:solidFill>
-                <a:latin typeface="Century Schoolbook" panose="02040604050505020304" pitchFamily="18" charset="0"/>
-              </a:rPr>
-              <a:t> </a:t>
-            </a:r>
-            <a:r>
-              <a:rPr lang="es-MX" err="1">
-                <a:solidFill>
-                  <a:schemeClr val="bg1"/>
-                </a:solidFill>
-                <a:latin typeface="Century Schoolbook" panose="02040604050505020304" pitchFamily="18" charset="0"/>
-              </a:rPr>
-              <a:t>jumps</a:t>
-            </a:r>
-            <a:r>
-              <a:rPr lang="es-MX">
-                <a:solidFill>
-                  <a:schemeClr val="bg1"/>
-                </a:solidFill>
-                <a:latin typeface="Century Schoolbook" panose="02040604050505020304" pitchFamily="18" charset="0"/>
-              </a:rPr>
-              <a:t> </a:t>
-            </a:r>
-            <a:r>
-              <a:rPr lang="es-MX" err="1">
-                <a:solidFill>
-                  <a:schemeClr val="bg1"/>
-                </a:solidFill>
-                <a:latin typeface="Century Schoolbook" panose="02040604050505020304" pitchFamily="18" charset="0"/>
-              </a:rPr>
-              <a:t>over</a:t>
-            </a:r>
-            <a:r>
-              <a:rPr lang="es-MX">
-                <a:solidFill>
-                  <a:schemeClr val="bg1"/>
-                </a:solidFill>
-                <a:latin typeface="Century Schoolbook" panose="02040604050505020304" pitchFamily="18" charset="0"/>
-              </a:rPr>
-              <a:t> </a:t>
-            </a:r>
-            <a:r>
-              <a:rPr lang="es-MX" err="1">
-                <a:solidFill>
-                  <a:schemeClr val="bg1"/>
-                </a:solidFill>
-                <a:latin typeface="Century Schoolbook" panose="02040604050505020304" pitchFamily="18" charset="0"/>
-              </a:rPr>
-              <a:t>the</a:t>
-            </a:r>
-            <a:r>
-              <a:rPr lang="es-MX">
-                <a:solidFill>
-                  <a:schemeClr val="bg1"/>
-                </a:solidFill>
-                <a:latin typeface="Century Schoolbook" panose="02040604050505020304" pitchFamily="18" charset="0"/>
-              </a:rPr>
-              <a:t> </a:t>
-            </a:r>
-            <a:r>
-              <a:rPr lang="es-MX" err="1">
-                <a:solidFill>
-                  <a:schemeClr val="bg1"/>
-                </a:solidFill>
-                <a:latin typeface="Century Schoolbook" panose="02040604050505020304" pitchFamily="18" charset="0"/>
-              </a:rPr>
-              <a:t>lazy</a:t>
-            </a:r>
-            <a:r>
-              <a:rPr lang="es-MX">
-                <a:solidFill>
-                  <a:schemeClr val="bg1"/>
-                </a:solidFill>
-                <a:latin typeface="Century Schoolbook" panose="02040604050505020304" pitchFamily="18" charset="0"/>
-              </a:rPr>
-              <a:t> </a:t>
-            </a:r>
-            <a:r>
-              <a:rPr lang="es-MX" err="1">
-                <a:solidFill>
-                  <a:schemeClr val="bg1"/>
-                </a:solidFill>
-                <a:latin typeface="Century Schoolbook" panose="02040604050505020304" pitchFamily="18" charset="0"/>
-              </a:rPr>
-              <a:t>dog</a:t>
-            </a:r>
-            <a:r>
-              <a:rPr lang="es-MX">
-                <a:solidFill>
-                  <a:schemeClr val="bg1"/>
-                </a:solidFill>
-                <a:latin typeface="Century Schoolbook" panose="02040604050505020304" pitchFamily="18" charset="0"/>
-              </a:rPr>
-              <a:t>. </a:t>
-            </a:r>
-            <a:r>
-              <a:rPr lang="es-MX" err="1">
-                <a:solidFill>
-                  <a:schemeClr val="bg1"/>
-                </a:solidFill>
-                <a:latin typeface="Century Schoolbook" panose="02040604050505020304" pitchFamily="18" charset="0"/>
-              </a:rPr>
-              <a:t>The</a:t>
-            </a:r>
-            <a:r>
-              <a:rPr lang="es-MX">
-                <a:solidFill>
-                  <a:schemeClr val="bg1"/>
-                </a:solidFill>
-                <a:latin typeface="Century Schoolbook" panose="02040604050505020304" pitchFamily="18" charset="0"/>
-              </a:rPr>
-              <a:t> </a:t>
-            </a:r>
-            <a:r>
-              <a:rPr lang="es-MX" err="1">
-                <a:solidFill>
-                  <a:schemeClr val="bg1"/>
-                </a:solidFill>
-                <a:latin typeface="Century Schoolbook" panose="02040604050505020304" pitchFamily="18" charset="0"/>
-              </a:rPr>
-              <a:t>quick</a:t>
-            </a:r>
-            <a:r>
-              <a:rPr lang="es-MX">
-                <a:solidFill>
-                  <a:schemeClr val="bg1"/>
-                </a:solidFill>
-                <a:latin typeface="Century Schoolbook" panose="02040604050505020304" pitchFamily="18" charset="0"/>
-              </a:rPr>
-              <a:t> </a:t>
-            </a:r>
-            <a:r>
-              <a:rPr lang="es-MX" err="1">
-                <a:solidFill>
-                  <a:schemeClr val="bg1"/>
-                </a:solidFill>
-                <a:latin typeface="Century Schoolbook" panose="02040604050505020304" pitchFamily="18" charset="0"/>
-              </a:rPr>
-              <a:t>brown</a:t>
-            </a:r>
-            <a:r>
-              <a:rPr lang="es-MX">
-                <a:solidFill>
-                  <a:schemeClr val="bg1"/>
-                </a:solidFill>
-                <a:latin typeface="Century Schoolbook" panose="02040604050505020304" pitchFamily="18" charset="0"/>
-              </a:rPr>
-              <a:t> </a:t>
-            </a:r>
-            <a:r>
-              <a:rPr lang="es-MX" err="1">
-                <a:solidFill>
-                  <a:schemeClr val="bg1"/>
-                </a:solidFill>
-                <a:latin typeface="Century Schoolbook" panose="02040604050505020304" pitchFamily="18" charset="0"/>
-              </a:rPr>
-              <a:t>fox</a:t>
-            </a:r>
-            <a:r>
-              <a:rPr lang="es-MX">
-                <a:solidFill>
-                  <a:schemeClr val="bg1"/>
-                </a:solidFill>
-                <a:latin typeface="Century Schoolbook" panose="02040604050505020304" pitchFamily="18" charset="0"/>
-              </a:rPr>
-              <a:t> </a:t>
-            </a:r>
-            <a:r>
-              <a:rPr lang="es-MX" err="1">
-                <a:solidFill>
-                  <a:schemeClr val="bg1"/>
-                </a:solidFill>
-                <a:latin typeface="Century Schoolbook" panose="02040604050505020304" pitchFamily="18" charset="0"/>
-              </a:rPr>
-              <a:t>jumps</a:t>
-            </a:r>
-            <a:r>
-              <a:rPr lang="es-MX">
-                <a:solidFill>
-                  <a:schemeClr val="bg1"/>
-                </a:solidFill>
-                <a:latin typeface="Century Schoolbook" panose="02040604050505020304" pitchFamily="18" charset="0"/>
-              </a:rPr>
-              <a:t> </a:t>
-            </a:r>
-            <a:r>
-              <a:rPr lang="es-MX" err="1">
-                <a:solidFill>
-                  <a:schemeClr val="bg1"/>
-                </a:solidFill>
-                <a:latin typeface="Century Schoolbook" panose="02040604050505020304" pitchFamily="18" charset="0"/>
-              </a:rPr>
-              <a:t>over</a:t>
-            </a:r>
-            <a:r>
-              <a:rPr lang="es-MX">
-                <a:solidFill>
-                  <a:schemeClr val="bg1"/>
-                </a:solidFill>
-                <a:latin typeface="Century Schoolbook" panose="02040604050505020304" pitchFamily="18" charset="0"/>
-              </a:rPr>
-              <a:t> </a:t>
-            </a:r>
-            <a:r>
-              <a:rPr lang="es-MX" err="1">
-                <a:solidFill>
-                  <a:schemeClr val="bg1"/>
-                </a:solidFill>
-                <a:latin typeface="Century Schoolbook" panose="02040604050505020304" pitchFamily="18" charset="0"/>
-              </a:rPr>
-              <a:t>the</a:t>
-            </a:r>
-            <a:r>
-              <a:rPr lang="es-MX">
-                <a:solidFill>
-                  <a:schemeClr val="bg1"/>
-                </a:solidFill>
-                <a:latin typeface="Century Schoolbook" panose="02040604050505020304" pitchFamily="18" charset="0"/>
-              </a:rPr>
-              <a:t> </a:t>
-            </a:r>
-            <a:r>
-              <a:rPr lang="es-MX" err="1">
-                <a:solidFill>
-                  <a:schemeClr val="bg1"/>
-                </a:solidFill>
-                <a:latin typeface="Century Schoolbook" panose="02040604050505020304" pitchFamily="18" charset="0"/>
-              </a:rPr>
-              <a:t>lazy</a:t>
-            </a:r>
-            <a:r>
-              <a:rPr lang="es-MX">
-                <a:solidFill>
-                  <a:schemeClr val="bg1"/>
-                </a:solidFill>
-                <a:latin typeface="Century Schoolbook" panose="02040604050505020304" pitchFamily="18" charset="0"/>
-              </a:rPr>
-              <a:t> </a:t>
-            </a:r>
-            <a:r>
-              <a:rPr lang="es-MX" err="1">
-                <a:solidFill>
-                  <a:schemeClr val="bg1"/>
-                </a:solidFill>
-                <a:latin typeface="Century Schoolbook" panose="02040604050505020304" pitchFamily="18" charset="0"/>
-              </a:rPr>
-              <a:t>dog</a:t>
-            </a:r>
-            <a:r>
-              <a:rPr lang="es-MX">
-                <a:solidFill>
-                  <a:schemeClr val="bg1"/>
-                </a:solidFill>
-                <a:latin typeface="Century Schoolbook" panose="02040604050505020304" pitchFamily="18" charset="0"/>
-              </a:rPr>
-              <a:t>. </a:t>
-            </a:r>
-            <a:r>
-              <a:rPr lang="es-MX" err="1">
-                <a:solidFill>
-                  <a:schemeClr val="bg1"/>
-                </a:solidFill>
-                <a:latin typeface="Century Schoolbook" panose="02040604050505020304" pitchFamily="18" charset="0"/>
-              </a:rPr>
-              <a:t>The</a:t>
-            </a:r>
-            <a:r>
-              <a:rPr lang="es-MX">
-                <a:solidFill>
-                  <a:schemeClr val="bg1"/>
-                </a:solidFill>
-                <a:latin typeface="Century Schoolbook" panose="02040604050505020304" pitchFamily="18" charset="0"/>
-              </a:rPr>
-              <a:t> </a:t>
-            </a:r>
-            <a:r>
-              <a:rPr lang="es-MX" err="1">
-                <a:solidFill>
-                  <a:schemeClr val="bg1"/>
-                </a:solidFill>
-                <a:latin typeface="Century Schoolbook" panose="02040604050505020304" pitchFamily="18" charset="0"/>
-              </a:rPr>
-              <a:t>quick</a:t>
-            </a:r>
-            <a:r>
-              <a:rPr lang="es-MX">
-                <a:solidFill>
-                  <a:schemeClr val="bg1"/>
-                </a:solidFill>
-                <a:latin typeface="Century Schoolbook" panose="02040604050505020304" pitchFamily="18" charset="0"/>
-              </a:rPr>
-              <a:t> </a:t>
-            </a:r>
-            <a:r>
-              <a:rPr lang="es-MX" err="1">
-                <a:solidFill>
-                  <a:schemeClr val="bg1"/>
-                </a:solidFill>
-                <a:latin typeface="Century Schoolbook" panose="02040604050505020304" pitchFamily="18" charset="0"/>
-              </a:rPr>
-              <a:t>brown</a:t>
-            </a:r>
-            <a:r>
-              <a:rPr lang="es-MX">
-                <a:solidFill>
-                  <a:schemeClr val="bg1"/>
-                </a:solidFill>
-                <a:latin typeface="Century Schoolbook" panose="02040604050505020304" pitchFamily="18" charset="0"/>
-              </a:rPr>
-              <a:t> </a:t>
-            </a:r>
-            <a:r>
-              <a:rPr lang="es-MX" err="1">
-                <a:solidFill>
-                  <a:schemeClr val="bg1"/>
-                </a:solidFill>
-                <a:latin typeface="Century Schoolbook" panose="02040604050505020304" pitchFamily="18" charset="0"/>
-              </a:rPr>
-              <a:t>fox</a:t>
-            </a:r>
-            <a:r>
-              <a:rPr lang="es-MX">
-                <a:solidFill>
-                  <a:schemeClr val="bg1"/>
-                </a:solidFill>
-                <a:latin typeface="Century Schoolbook" panose="02040604050505020304" pitchFamily="18" charset="0"/>
-              </a:rPr>
-              <a:t> </a:t>
-            </a:r>
-            <a:r>
-              <a:rPr lang="es-MX" err="1">
-                <a:solidFill>
-                  <a:schemeClr val="bg1"/>
-                </a:solidFill>
-                <a:latin typeface="Century Schoolbook" panose="02040604050505020304" pitchFamily="18" charset="0"/>
-              </a:rPr>
-              <a:t>jumps</a:t>
-            </a:r>
-            <a:r>
-              <a:rPr lang="es-MX">
-                <a:solidFill>
-                  <a:schemeClr val="bg1"/>
-                </a:solidFill>
-                <a:latin typeface="Century Schoolbook" panose="02040604050505020304" pitchFamily="18" charset="0"/>
-              </a:rPr>
-              <a:t> </a:t>
-            </a:r>
-            <a:r>
-              <a:rPr lang="es-MX" err="1">
-                <a:solidFill>
-                  <a:schemeClr val="bg1"/>
-                </a:solidFill>
-                <a:latin typeface="Century Schoolbook" panose="02040604050505020304" pitchFamily="18" charset="0"/>
-              </a:rPr>
-              <a:t>over</a:t>
-            </a:r>
-            <a:r>
-              <a:rPr lang="es-MX">
-                <a:solidFill>
-                  <a:schemeClr val="bg1"/>
-                </a:solidFill>
-                <a:latin typeface="Century Schoolbook" panose="02040604050505020304" pitchFamily="18" charset="0"/>
-              </a:rPr>
-              <a:t> </a:t>
-            </a:r>
-            <a:r>
-              <a:rPr lang="es-MX" err="1">
-                <a:solidFill>
-                  <a:schemeClr val="bg1"/>
-                </a:solidFill>
-                <a:latin typeface="Century Schoolbook" panose="02040604050505020304" pitchFamily="18" charset="0"/>
-              </a:rPr>
-              <a:t>the</a:t>
-            </a:r>
-            <a:r>
-              <a:rPr lang="es-MX">
-                <a:solidFill>
-                  <a:schemeClr val="bg1"/>
-                </a:solidFill>
-                <a:latin typeface="Century Schoolbook" panose="02040604050505020304" pitchFamily="18" charset="0"/>
-              </a:rPr>
-              <a:t> </a:t>
-            </a:r>
-            <a:r>
-              <a:rPr lang="es-MX" err="1">
-                <a:solidFill>
-                  <a:schemeClr val="bg1"/>
-                </a:solidFill>
-                <a:latin typeface="Century Schoolbook" panose="02040604050505020304" pitchFamily="18" charset="0"/>
-              </a:rPr>
-              <a:t>lazy</a:t>
-            </a:r>
-            <a:r>
-              <a:rPr lang="es-MX">
-                <a:solidFill>
-                  <a:schemeClr val="bg1"/>
-                </a:solidFill>
-                <a:latin typeface="Century Schoolbook" panose="02040604050505020304" pitchFamily="18" charset="0"/>
-              </a:rPr>
-              <a:t> </a:t>
-            </a:r>
-            <a:r>
-              <a:rPr lang="es-MX" err="1">
-                <a:solidFill>
-                  <a:schemeClr val="bg1"/>
-                </a:solidFill>
-                <a:latin typeface="Century Schoolbook" panose="02040604050505020304" pitchFamily="18" charset="0"/>
-              </a:rPr>
-              <a:t>dog</a:t>
-            </a:r>
-            <a:r>
-              <a:rPr lang="es-MX">
-                <a:solidFill>
-                  <a:schemeClr val="bg1"/>
-                </a:solidFill>
-                <a:latin typeface="Century Schoolbook" panose="02040604050505020304" pitchFamily="18" charset="0"/>
-              </a:rPr>
-              <a:t>. </a:t>
-            </a:r>
-          </a:p>
-          <a:p>
-            <a:pPr algn="ctr"/>
-            <a:endParaRPr lang="es-MX">
-              <a:solidFill>
-                <a:schemeClr val="bg1"/>
-              </a:solidFill>
-              <a:latin typeface="Century Schoolbook" panose="02040604050505020304" pitchFamily="18" charset="0"/>
-            </a:endParaRPr>
-          </a:p>
-          <a:p>
-            <a:pPr algn="ctr"/>
-            <a:r>
-              <a:rPr lang="es-MX" err="1">
-                <a:solidFill>
-                  <a:schemeClr val="bg1"/>
-                </a:solidFill>
-                <a:latin typeface="Century Schoolbook" panose="02040604050505020304" pitchFamily="18" charset="0"/>
-              </a:rPr>
-              <a:t>The</a:t>
-            </a:r>
-            <a:r>
-              <a:rPr lang="es-MX">
-                <a:solidFill>
-                  <a:schemeClr val="bg1"/>
-                </a:solidFill>
-                <a:latin typeface="Century Schoolbook" panose="02040604050505020304" pitchFamily="18" charset="0"/>
-              </a:rPr>
-              <a:t> </a:t>
-            </a:r>
-            <a:r>
-              <a:rPr lang="es-MX" err="1">
-                <a:solidFill>
-                  <a:schemeClr val="bg1"/>
-                </a:solidFill>
-                <a:latin typeface="Century Schoolbook" panose="02040604050505020304" pitchFamily="18" charset="0"/>
-              </a:rPr>
-              <a:t>quick</a:t>
-            </a:r>
-            <a:r>
-              <a:rPr lang="es-MX">
-                <a:solidFill>
-                  <a:schemeClr val="bg1"/>
-                </a:solidFill>
-                <a:latin typeface="Century Schoolbook" panose="02040604050505020304" pitchFamily="18" charset="0"/>
-              </a:rPr>
-              <a:t> </a:t>
-            </a:r>
-            <a:r>
-              <a:rPr lang="es-MX" err="1">
-                <a:solidFill>
-                  <a:schemeClr val="bg1"/>
-                </a:solidFill>
-                <a:latin typeface="Century Schoolbook" panose="02040604050505020304" pitchFamily="18" charset="0"/>
-              </a:rPr>
-              <a:t>brown</a:t>
-            </a:r>
-            <a:r>
-              <a:rPr lang="es-MX">
-                <a:solidFill>
-                  <a:schemeClr val="bg1"/>
-                </a:solidFill>
-                <a:latin typeface="Century Schoolbook" panose="02040604050505020304" pitchFamily="18" charset="0"/>
-              </a:rPr>
-              <a:t> </a:t>
-            </a:r>
-            <a:r>
-              <a:rPr lang="es-MX" err="1">
-                <a:solidFill>
-                  <a:schemeClr val="bg1"/>
-                </a:solidFill>
-                <a:latin typeface="Century Schoolbook" panose="02040604050505020304" pitchFamily="18" charset="0"/>
-              </a:rPr>
-              <a:t>fox</a:t>
-            </a:r>
-            <a:r>
-              <a:rPr lang="es-MX">
-                <a:solidFill>
-                  <a:schemeClr val="bg1"/>
-                </a:solidFill>
-                <a:latin typeface="Century Schoolbook" panose="02040604050505020304" pitchFamily="18" charset="0"/>
-              </a:rPr>
-              <a:t> </a:t>
-            </a:r>
-            <a:r>
-              <a:rPr lang="es-MX" err="1">
-                <a:solidFill>
-                  <a:schemeClr val="bg1"/>
-                </a:solidFill>
-                <a:latin typeface="Century Schoolbook" panose="02040604050505020304" pitchFamily="18" charset="0"/>
-              </a:rPr>
-              <a:t>jumps</a:t>
-            </a:r>
-            <a:r>
-              <a:rPr lang="es-MX">
-                <a:solidFill>
-                  <a:schemeClr val="bg1"/>
-                </a:solidFill>
-                <a:latin typeface="Century Schoolbook" panose="02040604050505020304" pitchFamily="18" charset="0"/>
-              </a:rPr>
-              <a:t> </a:t>
-            </a:r>
-            <a:r>
-              <a:rPr lang="es-MX" err="1">
-                <a:solidFill>
-                  <a:schemeClr val="bg1"/>
-                </a:solidFill>
-                <a:latin typeface="Century Schoolbook" panose="02040604050505020304" pitchFamily="18" charset="0"/>
-              </a:rPr>
-              <a:t>over</a:t>
-            </a:r>
-            <a:r>
-              <a:rPr lang="es-MX">
-                <a:solidFill>
-                  <a:schemeClr val="bg1"/>
-                </a:solidFill>
-                <a:latin typeface="Century Schoolbook" panose="02040604050505020304" pitchFamily="18" charset="0"/>
-              </a:rPr>
-              <a:t> </a:t>
-            </a:r>
-            <a:r>
-              <a:rPr lang="es-MX" err="1">
-                <a:solidFill>
-                  <a:schemeClr val="bg1"/>
-                </a:solidFill>
-                <a:latin typeface="Century Schoolbook" panose="02040604050505020304" pitchFamily="18" charset="0"/>
-              </a:rPr>
-              <a:t>the</a:t>
-            </a:r>
-            <a:r>
-              <a:rPr lang="es-MX">
-                <a:solidFill>
-                  <a:schemeClr val="bg1"/>
-                </a:solidFill>
-                <a:latin typeface="Century Schoolbook" panose="02040604050505020304" pitchFamily="18" charset="0"/>
-              </a:rPr>
-              <a:t> </a:t>
-            </a:r>
-            <a:r>
-              <a:rPr lang="es-MX" err="1">
-                <a:solidFill>
-                  <a:schemeClr val="bg1"/>
-                </a:solidFill>
-                <a:latin typeface="Century Schoolbook" panose="02040604050505020304" pitchFamily="18" charset="0"/>
-              </a:rPr>
-              <a:t>lazy</a:t>
-            </a:r>
-            <a:r>
-              <a:rPr lang="es-MX">
-                <a:solidFill>
-                  <a:schemeClr val="bg1"/>
-                </a:solidFill>
-                <a:latin typeface="Century Schoolbook" panose="02040604050505020304" pitchFamily="18" charset="0"/>
-              </a:rPr>
-              <a:t> </a:t>
-            </a:r>
-            <a:r>
-              <a:rPr lang="es-MX" err="1">
-                <a:solidFill>
-                  <a:schemeClr val="bg1"/>
-                </a:solidFill>
-                <a:latin typeface="Century Schoolbook" panose="02040604050505020304" pitchFamily="18" charset="0"/>
-              </a:rPr>
-              <a:t>dog</a:t>
-            </a:r>
-            <a:r>
-              <a:rPr lang="es-MX">
-                <a:solidFill>
-                  <a:schemeClr val="bg1"/>
-                </a:solidFill>
-                <a:latin typeface="Century Schoolbook" panose="02040604050505020304" pitchFamily="18" charset="0"/>
-              </a:rPr>
-              <a:t>. </a:t>
-            </a:r>
-            <a:r>
-              <a:rPr lang="es-MX" err="1">
-                <a:solidFill>
-                  <a:schemeClr val="bg1"/>
-                </a:solidFill>
-                <a:latin typeface="Century Schoolbook" panose="02040604050505020304" pitchFamily="18" charset="0"/>
-              </a:rPr>
-              <a:t>The</a:t>
-            </a:r>
-            <a:r>
-              <a:rPr lang="es-MX">
-                <a:solidFill>
-                  <a:schemeClr val="bg1"/>
-                </a:solidFill>
-                <a:latin typeface="Century Schoolbook" panose="02040604050505020304" pitchFamily="18" charset="0"/>
-              </a:rPr>
-              <a:t> </a:t>
-            </a:r>
-            <a:r>
-              <a:rPr lang="es-MX" err="1">
-                <a:solidFill>
-                  <a:schemeClr val="bg1"/>
-                </a:solidFill>
-                <a:latin typeface="Century Schoolbook" panose="02040604050505020304" pitchFamily="18" charset="0"/>
-              </a:rPr>
-              <a:t>quick</a:t>
-            </a:r>
-            <a:r>
-              <a:rPr lang="es-MX">
-                <a:solidFill>
-                  <a:schemeClr val="bg1"/>
-                </a:solidFill>
-                <a:latin typeface="Century Schoolbook" panose="02040604050505020304" pitchFamily="18" charset="0"/>
-              </a:rPr>
-              <a:t> </a:t>
-            </a:r>
-            <a:r>
-              <a:rPr lang="es-MX" err="1">
-                <a:solidFill>
-                  <a:schemeClr val="bg1"/>
-                </a:solidFill>
-                <a:latin typeface="Century Schoolbook" panose="02040604050505020304" pitchFamily="18" charset="0"/>
-              </a:rPr>
-              <a:t>brown</a:t>
-            </a:r>
-            <a:r>
-              <a:rPr lang="es-MX">
-                <a:solidFill>
-                  <a:schemeClr val="bg1"/>
-                </a:solidFill>
-                <a:latin typeface="Century Schoolbook" panose="02040604050505020304" pitchFamily="18" charset="0"/>
-              </a:rPr>
-              <a:t> </a:t>
-            </a:r>
-            <a:r>
-              <a:rPr lang="es-MX" err="1">
-                <a:solidFill>
-                  <a:schemeClr val="bg1"/>
-                </a:solidFill>
-                <a:latin typeface="Century Schoolbook" panose="02040604050505020304" pitchFamily="18" charset="0"/>
-              </a:rPr>
-              <a:t>fox</a:t>
-            </a:r>
-            <a:r>
-              <a:rPr lang="es-MX">
-                <a:solidFill>
-                  <a:schemeClr val="bg1"/>
-                </a:solidFill>
-                <a:latin typeface="Century Schoolbook" panose="02040604050505020304" pitchFamily="18" charset="0"/>
-              </a:rPr>
-              <a:t> </a:t>
-            </a:r>
-            <a:r>
-              <a:rPr lang="es-MX" err="1">
-                <a:solidFill>
-                  <a:schemeClr val="bg1"/>
-                </a:solidFill>
-                <a:latin typeface="Century Schoolbook" panose="02040604050505020304" pitchFamily="18" charset="0"/>
-              </a:rPr>
-              <a:t>jumps</a:t>
-            </a:r>
-            <a:r>
-              <a:rPr lang="es-MX">
-                <a:solidFill>
-                  <a:schemeClr val="bg1"/>
-                </a:solidFill>
-                <a:latin typeface="Century Schoolbook" panose="02040604050505020304" pitchFamily="18" charset="0"/>
-              </a:rPr>
-              <a:t> </a:t>
-            </a:r>
-            <a:r>
-              <a:rPr lang="es-MX" err="1">
-                <a:solidFill>
-                  <a:schemeClr val="bg1"/>
-                </a:solidFill>
-                <a:latin typeface="Century Schoolbook" panose="02040604050505020304" pitchFamily="18" charset="0"/>
-              </a:rPr>
-              <a:t>over</a:t>
-            </a:r>
-            <a:r>
-              <a:rPr lang="es-MX">
-                <a:solidFill>
-                  <a:schemeClr val="bg1"/>
-                </a:solidFill>
-                <a:latin typeface="Century Schoolbook" panose="02040604050505020304" pitchFamily="18" charset="0"/>
-              </a:rPr>
-              <a:t> </a:t>
-            </a:r>
-            <a:r>
-              <a:rPr lang="es-MX" err="1">
-                <a:solidFill>
-                  <a:schemeClr val="bg1"/>
-                </a:solidFill>
-                <a:latin typeface="Century Schoolbook" panose="02040604050505020304" pitchFamily="18" charset="0"/>
-              </a:rPr>
-              <a:t>the</a:t>
-            </a:r>
-            <a:r>
-              <a:rPr lang="es-MX">
-                <a:solidFill>
-                  <a:schemeClr val="bg1"/>
-                </a:solidFill>
-                <a:latin typeface="Century Schoolbook" panose="02040604050505020304" pitchFamily="18" charset="0"/>
-              </a:rPr>
-              <a:t> </a:t>
-            </a:r>
-            <a:r>
-              <a:rPr lang="es-MX" err="1">
-                <a:solidFill>
-                  <a:schemeClr val="bg1"/>
-                </a:solidFill>
-                <a:latin typeface="Century Schoolbook" panose="02040604050505020304" pitchFamily="18" charset="0"/>
-              </a:rPr>
-              <a:t>lazy</a:t>
-            </a:r>
-            <a:r>
-              <a:rPr lang="es-MX">
-                <a:solidFill>
-                  <a:schemeClr val="bg1"/>
-                </a:solidFill>
-                <a:latin typeface="Century Schoolbook" panose="02040604050505020304" pitchFamily="18" charset="0"/>
-              </a:rPr>
-              <a:t> </a:t>
-            </a:r>
-            <a:r>
-              <a:rPr lang="es-MX" err="1">
-                <a:solidFill>
-                  <a:schemeClr val="bg1"/>
-                </a:solidFill>
-                <a:latin typeface="Century Schoolbook" panose="02040604050505020304" pitchFamily="18" charset="0"/>
-              </a:rPr>
-              <a:t>dog</a:t>
-            </a:r>
-            <a:r>
-              <a:rPr lang="es-MX">
-                <a:solidFill>
-                  <a:schemeClr val="bg1"/>
-                </a:solidFill>
-                <a:latin typeface="Century Schoolbook" panose="02040604050505020304" pitchFamily="18" charset="0"/>
-              </a:rPr>
-              <a:t>. </a:t>
-            </a:r>
-            <a:r>
-              <a:rPr lang="es-MX" err="1">
-                <a:solidFill>
-                  <a:schemeClr val="bg1"/>
-                </a:solidFill>
-                <a:latin typeface="Century Schoolbook" panose="02040604050505020304" pitchFamily="18" charset="0"/>
-              </a:rPr>
-              <a:t>The</a:t>
-            </a:r>
-            <a:r>
-              <a:rPr lang="es-MX">
-                <a:solidFill>
-                  <a:schemeClr val="bg1"/>
-                </a:solidFill>
-                <a:latin typeface="Century Schoolbook" panose="02040604050505020304" pitchFamily="18" charset="0"/>
-              </a:rPr>
-              <a:t> </a:t>
-            </a:r>
-            <a:r>
-              <a:rPr lang="es-MX" err="1">
-                <a:solidFill>
-                  <a:schemeClr val="bg1"/>
-                </a:solidFill>
-                <a:latin typeface="Century Schoolbook" panose="02040604050505020304" pitchFamily="18" charset="0"/>
-              </a:rPr>
-              <a:t>quick</a:t>
-            </a:r>
-            <a:r>
-              <a:rPr lang="es-MX">
-                <a:solidFill>
-                  <a:schemeClr val="bg1"/>
-                </a:solidFill>
-                <a:latin typeface="Century Schoolbook" panose="02040604050505020304" pitchFamily="18" charset="0"/>
-              </a:rPr>
-              <a:t> </a:t>
-            </a:r>
-            <a:r>
-              <a:rPr lang="es-MX" err="1">
-                <a:solidFill>
-                  <a:schemeClr val="bg1"/>
-                </a:solidFill>
-                <a:latin typeface="Century Schoolbook" panose="02040604050505020304" pitchFamily="18" charset="0"/>
-              </a:rPr>
-              <a:t>brown</a:t>
-            </a:r>
-            <a:r>
-              <a:rPr lang="es-MX">
-                <a:solidFill>
-                  <a:schemeClr val="bg1"/>
-                </a:solidFill>
-                <a:latin typeface="Century Schoolbook" panose="02040604050505020304" pitchFamily="18" charset="0"/>
-              </a:rPr>
-              <a:t> </a:t>
-            </a:r>
-            <a:r>
-              <a:rPr lang="es-MX" err="1">
-                <a:solidFill>
-                  <a:schemeClr val="bg1"/>
-                </a:solidFill>
-                <a:latin typeface="Century Schoolbook" panose="02040604050505020304" pitchFamily="18" charset="0"/>
-              </a:rPr>
-              <a:t>fox</a:t>
-            </a:r>
-            <a:r>
-              <a:rPr lang="es-MX">
-                <a:solidFill>
-                  <a:schemeClr val="bg1"/>
-                </a:solidFill>
-                <a:latin typeface="Century Schoolbook" panose="02040604050505020304" pitchFamily="18" charset="0"/>
-              </a:rPr>
-              <a:t> </a:t>
-            </a:r>
-            <a:r>
-              <a:rPr lang="es-MX" err="1">
-                <a:solidFill>
-                  <a:schemeClr val="bg1"/>
-                </a:solidFill>
-                <a:latin typeface="Century Schoolbook" panose="02040604050505020304" pitchFamily="18" charset="0"/>
-              </a:rPr>
-              <a:t>jumps</a:t>
-            </a:r>
-            <a:r>
-              <a:rPr lang="es-MX">
-                <a:solidFill>
-                  <a:schemeClr val="bg1"/>
-                </a:solidFill>
-                <a:latin typeface="Century Schoolbook" panose="02040604050505020304" pitchFamily="18" charset="0"/>
-              </a:rPr>
-              <a:t> </a:t>
-            </a:r>
-            <a:r>
-              <a:rPr lang="es-MX" err="1">
-                <a:solidFill>
-                  <a:schemeClr val="bg1"/>
-                </a:solidFill>
-                <a:latin typeface="Century Schoolbook" panose="02040604050505020304" pitchFamily="18" charset="0"/>
-              </a:rPr>
-              <a:t>over</a:t>
-            </a:r>
-            <a:r>
-              <a:rPr lang="es-MX">
-                <a:solidFill>
-                  <a:schemeClr val="bg1"/>
-                </a:solidFill>
-                <a:latin typeface="Century Schoolbook" panose="02040604050505020304" pitchFamily="18" charset="0"/>
-              </a:rPr>
-              <a:t> </a:t>
-            </a:r>
-            <a:r>
-              <a:rPr lang="es-MX" err="1">
-                <a:solidFill>
-                  <a:schemeClr val="bg1"/>
-                </a:solidFill>
-                <a:latin typeface="Century Schoolbook" panose="02040604050505020304" pitchFamily="18" charset="0"/>
-              </a:rPr>
-              <a:t>the</a:t>
-            </a:r>
-            <a:r>
-              <a:rPr lang="es-MX">
-                <a:solidFill>
-                  <a:schemeClr val="bg1"/>
-                </a:solidFill>
-                <a:latin typeface="Century Schoolbook" panose="02040604050505020304" pitchFamily="18" charset="0"/>
-              </a:rPr>
-              <a:t> </a:t>
-            </a:r>
-            <a:r>
-              <a:rPr lang="es-MX" err="1">
-                <a:solidFill>
-                  <a:schemeClr val="bg1"/>
-                </a:solidFill>
-                <a:latin typeface="Century Schoolbook" panose="02040604050505020304" pitchFamily="18" charset="0"/>
-              </a:rPr>
-              <a:t>lazy</a:t>
-            </a:r>
-            <a:r>
-              <a:rPr lang="es-MX">
-                <a:solidFill>
-                  <a:schemeClr val="bg1"/>
-                </a:solidFill>
-                <a:latin typeface="Century Schoolbook" panose="02040604050505020304" pitchFamily="18" charset="0"/>
-              </a:rPr>
-              <a:t> </a:t>
-            </a:r>
-            <a:r>
-              <a:rPr lang="es-MX" err="1">
-                <a:solidFill>
-                  <a:schemeClr val="bg1"/>
-                </a:solidFill>
-                <a:latin typeface="Century Schoolbook" panose="02040604050505020304" pitchFamily="18" charset="0"/>
-              </a:rPr>
-              <a:t>dog</a:t>
-            </a:r>
-            <a:r>
-              <a:rPr lang="es-MX">
-                <a:solidFill>
-                  <a:schemeClr val="bg1"/>
-                </a:solidFill>
-                <a:latin typeface="Century Schoolbook" panose="02040604050505020304" pitchFamily="18" charset="0"/>
-              </a:rPr>
-              <a:t>. </a:t>
-            </a:r>
-            <a:r>
-              <a:rPr lang="es-MX" err="1">
-                <a:solidFill>
-                  <a:schemeClr val="bg1"/>
-                </a:solidFill>
-                <a:latin typeface="Century Schoolbook" panose="02040604050505020304" pitchFamily="18" charset="0"/>
-              </a:rPr>
-              <a:t>The</a:t>
-            </a:r>
-            <a:r>
-              <a:rPr lang="es-MX">
-                <a:solidFill>
-                  <a:schemeClr val="bg1"/>
-                </a:solidFill>
-                <a:latin typeface="Century Schoolbook" panose="02040604050505020304" pitchFamily="18" charset="0"/>
-              </a:rPr>
-              <a:t> </a:t>
-            </a:r>
-            <a:r>
-              <a:rPr lang="es-MX" err="1">
-                <a:solidFill>
-                  <a:schemeClr val="bg1"/>
-                </a:solidFill>
-                <a:latin typeface="Century Schoolbook" panose="02040604050505020304" pitchFamily="18" charset="0"/>
-              </a:rPr>
-              <a:t>quick</a:t>
-            </a:r>
-            <a:r>
-              <a:rPr lang="es-MX">
-                <a:solidFill>
-                  <a:schemeClr val="bg1"/>
-                </a:solidFill>
-                <a:latin typeface="Century Schoolbook" panose="02040604050505020304" pitchFamily="18" charset="0"/>
-              </a:rPr>
-              <a:t> </a:t>
-            </a:r>
-            <a:r>
-              <a:rPr lang="es-MX" err="1">
-                <a:solidFill>
-                  <a:schemeClr val="bg1"/>
-                </a:solidFill>
-                <a:latin typeface="Century Schoolbook" panose="02040604050505020304" pitchFamily="18" charset="0"/>
-              </a:rPr>
-              <a:t>brown</a:t>
-            </a:r>
-            <a:r>
-              <a:rPr lang="es-MX">
-                <a:solidFill>
-                  <a:schemeClr val="bg1"/>
-                </a:solidFill>
-                <a:latin typeface="Century Schoolbook" panose="02040604050505020304" pitchFamily="18" charset="0"/>
-              </a:rPr>
-              <a:t> </a:t>
-            </a:r>
-            <a:r>
-              <a:rPr lang="es-MX" err="1">
-                <a:solidFill>
-                  <a:schemeClr val="bg1"/>
-                </a:solidFill>
-                <a:latin typeface="Century Schoolbook" panose="02040604050505020304" pitchFamily="18" charset="0"/>
-              </a:rPr>
-              <a:t>fox</a:t>
-            </a:r>
-            <a:r>
-              <a:rPr lang="es-MX">
-                <a:solidFill>
-                  <a:schemeClr val="bg1"/>
-                </a:solidFill>
-                <a:latin typeface="Century Schoolbook" panose="02040604050505020304" pitchFamily="18" charset="0"/>
-              </a:rPr>
-              <a:t> </a:t>
-            </a:r>
-            <a:r>
-              <a:rPr lang="es-MX" err="1">
-                <a:solidFill>
-                  <a:schemeClr val="bg1"/>
-                </a:solidFill>
-                <a:latin typeface="Century Schoolbook" panose="02040604050505020304" pitchFamily="18" charset="0"/>
-              </a:rPr>
-              <a:t>jumps</a:t>
-            </a:r>
-            <a:r>
-              <a:rPr lang="es-MX">
-                <a:solidFill>
-                  <a:schemeClr val="bg1"/>
-                </a:solidFill>
-                <a:latin typeface="Century Schoolbook" panose="02040604050505020304" pitchFamily="18" charset="0"/>
-              </a:rPr>
-              <a:t> </a:t>
-            </a:r>
-            <a:r>
-              <a:rPr lang="es-MX" err="1">
-                <a:solidFill>
-                  <a:schemeClr val="bg1"/>
-                </a:solidFill>
-                <a:latin typeface="Century Schoolbook" panose="02040604050505020304" pitchFamily="18" charset="0"/>
-              </a:rPr>
-              <a:t>over</a:t>
-            </a:r>
-            <a:r>
-              <a:rPr lang="es-MX">
-                <a:solidFill>
-                  <a:schemeClr val="bg1"/>
-                </a:solidFill>
-                <a:latin typeface="Century Schoolbook" panose="02040604050505020304" pitchFamily="18" charset="0"/>
-              </a:rPr>
-              <a:t> </a:t>
-            </a:r>
-            <a:r>
-              <a:rPr lang="es-MX" err="1">
-                <a:solidFill>
-                  <a:schemeClr val="bg1"/>
-                </a:solidFill>
-                <a:latin typeface="Century Schoolbook" panose="02040604050505020304" pitchFamily="18" charset="0"/>
-              </a:rPr>
-              <a:t>the</a:t>
-            </a:r>
-            <a:r>
-              <a:rPr lang="es-MX">
-                <a:solidFill>
-                  <a:schemeClr val="bg1"/>
-                </a:solidFill>
-                <a:latin typeface="Century Schoolbook" panose="02040604050505020304" pitchFamily="18" charset="0"/>
-              </a:rPr>
-              <a:t> </a:t>
-            </a:r>
-            <a:r>
-              <a:rPr lang="es-MX" err="1">
-                <a:solidFill>
-                  <a:schemeClr val="bg1"/>
-                </a:solidFill>
-                <a:latin typeface="Century Schoolbook" panose="02040604050505020304" pitchFamily="18" charset="0"/>
-              </a:rPr>
-              <a:t>lazy</a:t>
-            </a:r>
-            <a:r>
-              <a:rPr lang="es-MX">
-                <a:solidFill>
-                  <a:schemeClr val="bg1"/>
-                </a:solidFill>
-                <a:latin typeface="Century Schoolbook" panose="02040604050505020304" pitchFamily="18" charset="0"/>
-              </a:rPr>
-              <a:t> </a:t>
-            </a:r>
-            <a:r>
-              <a:rPr lang="es-MX" err="1">
-                <a:solidFill>
-                  <a:schemeClr val="bg1"/>
-                </a:solidFill>
-                <a:latin typeface="Century Schoolbook" panose="02040604050505020304" pitchFamily="18" charset="0"/>
-              </a:rPr>
-              <a:t>dog</a:t>
-            </a:r>
-            <a:r>
-              <a:rPr lang="es-MX">
-                <a:solidFill>
-                  <a:schemeClr val="bg1"/>
-                </a:solidFill>
-                <a:latin typeface="Century Schoolbook" panose="02040604050505020304" pitchFamily="18" charset="0"/>
-              </a:rPr>
-              <a:t>. </a:t>
-            </a:r>
-            <a:r>
-              <a:rPr lang="es-MX" err="1">
-                <a:solidFill>
-                  <a:schemeClr val="bg1"/>
-                </a:solidFill>
-                <a:latin typeface="Century Schoolbook" panose="02040604050505020304" pitchFamily="18" charset="0"/>
-              </a:rPr>
-              <a:t>The</a:t>
-            </a:r>
-            <a:r>
-              <a:rPr lang="es-MX">
-                <a:solidFill>
-                  <a:schemeClr val="bg1"/>
-                </a:solidFill>
-                <a:latin typeface="Century Schoolbook" panose="02040604050505020304" pitchFamily="18" charset="0"/>
-              </a:rPr>
-              <a:t> </a:t>
-            </a:r>
-            <a:r>
-              <a:rPr lang="es-MX" err="1">
-                <a:solidFill>
-                  <a:schemeClr val="bg1"/>
-                </a:solidFill>
-                <a:latin typeface="Century Schoolbook" panose="02040604050505020304" pitchFamily="18" charset="0"/>
-              </a:rPr>
-              <a:t>quick</a:t>
-            </a:r>
-            <a:r>
-              <a:rPr lang="es-MX">
-                <a:solidFill>
-                  <a:schemeClr val="bg1"/>
-                </a:solidFill>
-                <a:latin typeface="Century Schoolbook" panose="02040604050505020304" pitchFamily="18" charset="0"/>
-              </a:rPr>
-              <a:t> </a:t>
-            </a:r>
-            <a:r>
-              <a:rPr lang="es-MX" err="1">
-                <a:solidFill>
-                  <a:schemeClr val="bg1"/>
-                </a:solidFill>
-                <a:latin typeface="Century Schoolbook" panose="02040604050505020304" pitchFamily="18" charset="0"/>
-              </a:rPr>
-              <a:t>brown</a:t>
-            </a:r>
-            <a:r>
-              <a:rPr lang="es-MX">
-                <a:solidFill>
-                  <a:schemeClr val="bg1"/>
-                </a:solidFill>
-                <a:latin typeface="Century Schoolbook" panose="02040604050505020304" pitchFamily="18" charset="0"/>
-              </a:rPr>
-              <a:t> </a:t>
-            </a:r>
-            <a:r>
-              <a:rPr lang="es-MX" err="1">
-                <a:solidFill>
-                  <a:schemeClr val="bg1"/>
-                </a:solidFill>
-                <a:latin typeface="Century Schoolbook" panose="02040604050505020304" pitchFamily="18" charset="0"/>
-              </a:rPr>
-              <a:t>fox</a:t>
-            </a:r>
-            <a:r>
-              <a:rPr lang="es-MX">
-                <a:solidFill>
-                  <a:schemeClr val="bg1"/>
-                </a:solidFill>
-                <a:latin typeface="Century Schoolbook" panose="02040604050505020304" pitchFamily="18" charset="0"/>
-              </a:rPr>
-              <a:t> </a:t>
-            </a:r>
-            <a:r>
-              <a:rPr lang="es-MX" err="1">
-                <a:solidFill>
-                  <a:schemeClr val="bg1"/>
-                </a:solidFill>
-                <a:latin typeface="Century Schoolbook" panose="02040604050505020304" pitchFamily="18" charset="0"/>
-              </a:rPr>
-              <a:t>jumps</a:t>
-            </a:r>
-            <a:r>
-              <a:rPr lang="es-MX">
-                <a:solidFill>
-                  <a:schemeClr val="bg1"/>
-                </a:solidFill>
-                <a:latin typeface="Century Schoolbook" panose="02040604050505020304" pitchFamily="18" charset="0"/>
-              </a:rPr>
-              <a:t> </a:t>
-            </a:r>
-            <a:r>
-              <a:rPr lang="es-MX" err="1">
-                <a:solidFill>
-                  <a:schemeClr val="bg1"/>
-                </a:solidFill>
-                <a:latin typeface="Century Schoolbook" panose="02040604050505020304" pitchFamily="18" charset="0"/>
-              </a:rPr>
-              <a:t>over</a:t>
-            </a:r>
-            <a:r>
-              <a:rPr lang="es-MX">
-                <a:solidFill>
-                  <a:schemeClr val="bg1"/>
-                </a:solidFill>
-                <a:latin typeface="Century Schoolbook" panose="02040604050505020304" pitchFamily="18" charset="0"/>
-              </a:rPr>
-              <a:t> </a:t>
-            </a:r>
-            <a:r>
-              <a:rPr lang="es-MX" err="1">
-                <a:solidFill>
-                  <a:schemeClr val="bg1"/>
-                </a:solidFill>
-                <a:latin typeface="Century Schoolbook" panose="02040604050505020304" pitchFamily="18" charset="0"/>
-              </a:rPr>
-              <a:t>the</a:t>
-            </a:r>
-            <a:r>
-              <a:rPr lang="es-MX">
-                <a:solidFill>
-                  <a:schemeClr val="bg1"/>
-                </a:solidFill>
-                <a:latin typeface="Century Schoolbook" panose="02040604050505020304" pitchFamily="18" charset="0"/>
-              </a:rPr>
-              <a:t> </a:t>
-            </a:r>
-            <a:r>
-              <a:rPr lang="es-MX" err="1">
-                <a:solidFill>
-                  <a:schemeClr val="bg1"/>
-                </a:solidFill>
-                <a:latin typeface="Century Schoolbook" panose="02040604050505020304" pitchFamily="18" charset="0"/>
-              </a:rPr>
-              <a:t>lazy</a:t>
-            </a:r>
-            <a:r>
-              <a:rPr lang="es-MX">
-                <a:solidFill>
-                  <a:schemeClr val="bg1"/>
-                </a:solidFill>
-                <a:latin typeface="Century Schoolbook" panose="02040604050505020304" pitchFamily="18" charset="0"/>
-              </a:rPr>
-              <a:t> </a:t>
-            </a:r>
-            <a:r>
-              <a:rPr lang="es-MX" err="1">
-                <a:solidFill>
-                  <a:schemeClr val="bg1"/>
-                </a:solidFill>
-                <a:latin typeface="Century Schoolbook" panose="02040604050505020304" pitchFamily="18" charset="0"/>
-              </a:rPr>
-              <a:t>dog</a:t>
-            </a:r>
-            <a:r>
-              <a:rPr lang="es-MX">
-                <a:solidFill>
-                  <a:schemeClr val="bg1"/>
-                </a:solidFill>
-                <a:latin typeface="Century Schoolbook" panose="02040604050505020304" pitchFamily="18" charset="0"/>
-              </a:rPr>
-              <a:t>.</a:t>
+              <a:t>Esta medida mejorará la transparencia, organización y comunicación del proceso.</a:t>
             </a:r>
           </a:p>
         </p:txBody>
@@ -9084,6 +7604,91 @@
               <a:rPr lang="es-MX" sz="2400" dirty="0"/>
               <a:t> de la SBP por su invaluable apoyo, colaboración y paciencia durante todo el proceso.</a:t>
             </a:r>
+          </a:p>
+        </p:txBody>
+      </p:sp>
+      <p:sp>
+        <p:nvSpPr>
+          <p:cNvPr id="3" name="Rectángulo 2">
+            <a:extLst>
+              <a:ext uri="{FF2B5EF4-FFF2-40B4-BE49-F238E27FC236}">
+                <a16:creationId xmlns:a16="http://schemas.microsoft.com/office/drawing/2014/main" id="{A506CEEA-1678-185A-FD1B-802B77B99ACB}"/>
+              </a:ext>
+            </a:extLst>
+          </p:cNvPr>
+          <p:cNvSpPr/>
+          <p:nvPr/>
+        </p:nvSpPr>
+        <p:spPr>
+          <a:xfrm>
+            <a:off x="143385" y="3187799"/>
+            <a:ext cx="5128591" cy="1722783"/>
+          </a:xfrm>
+          <a:prstGeom prst="rect">
+            <a:avLst/>
+          </a:prstGeom>
+          <a:solidFill>
+            <a:srgbClr val="002060"/>
+          </a:solidFill>
+          <a:ln>
+            <a:solidFill>
+              <a:schemeClr val="bg1"/>
+            </a:solidFill>
+            <a:prstDash val="sysDash"/>
+          </a:ln>
+        </p:spPr>
+        <p:style>
+          <a:lnRef idx="2">
+            <a:schemeClr val="accent1">
+              <a:shade val="50000"/>
+            </a:schemeClr>
+          </a:lnRef>
+          <a:fillRef idx="1">
+            <a:schemeClr val="accent1"/>
+          </a:fillRef>
+          <a:effectRef idx="0">
+            <a:schemeClr val="accent1"/>
+          </a:effectRef>
+          <a:fontRef idx="minor">
+            <a:schemeClr val="lt1"/>
+          </a:fontRef>
+        </p:style>
+        <p:txBody>
+          <a:bodyPr rtlCol="0" anchor="ctr"/>
+          <a:lstStyle/>
+          <a:p>
+            <a:pPr algn="ctr"/>
+            <a:r>
+              <a:rPr lang="es-MX" sz="4000" dirty="0">
+                <a:solidFill>
+                  <a:schemeClr val="bg1"/>
+                </a:solidFill>
+                <a:latin typeface="Franklin Gothic Demi Cond" panose="020B0706030402020204" pitchFamily="34" charset="0"/>
+                <a:hlinkClick r:id="rId3">
+                  <a:extLst>
+                    <a:ext uri="{A12FA001-AC4F-418D-AE19-62706E023703}">
+                      <ahyp:hlinkClr xmlns:ahyp="http://schemas.microsoft.com/office/drawing/2018/hyperlinkcolor" val="tx"/>
+                    </a:ext>
+                  </a:extLst>
+                </a:hlinkClick>
+              </a:rPr>
+              <a:t>https://portafolioalexanderprado.netlify.app/</a:t>
+            </a:r>
+            <a:r>
+              <a:rPr lang="es-MX" sz="4000" dirty="0">
+                <a:solidFill>
+                  <a:schemeClr val="bg1"/>
+                </a:solidFill>
+                <a:latin typeface="Franklin Gothic Demi Cond" panose="020B0706030402020204" pitchFamily="34" charset="0"/>
+              </a:rPr>
+              <a:t> </a:t>
+            </a:r>
+            <a:endParaRPr lang="es-PA" sz="4000" dirty="0">
+              <a:solidFill>
+                <a:schemeClr val="bg1"/>
+              </a:solidFill>
+              <a:latin typeface="Franklin Gothic Demi Cond" panose="020B0706030402020204" pitchFamily="34" charset="0"/>
+            </a:endParaRPr>
           </a:p>
         </p:txBody>
       </p:sp>
@@ -13553,6 +12158,15 @@
 </file>
 
 <file path=customXml/item1.xml><?xml version="1.0" encoding="utf-8"?>
+<?mso-contentType ?>
+<FormTemplates xmlns="http://schemas.microsoft.com/sharepoint/v3/contenttype/forms">
+  <Display>DocumentLibraryForm</Display>
+  <Edit>DocumentLibraryForm</Edit>
+  <New>DocumentLibraryForm</New>
+</FormTemplates>
+</file>
+
+<file path=customXml/item2.xml><?xml version="1.0" encoding="utf-8"?>
 <ct:contentTypeSchema xmlns:ct="http://schemas.microsoft.com/office/2006/metadata/contentType" xmlns:ma="http://schemas.microsoft.com/office/2006/metadata/properties/metaAttributes" ct:_="" ma:_="" ma:contentTypeName="Documento" ma:contentTypeID="0x0101008390B5CD4679814B9C8C0B95F6BF20A2" ma:contentTypeVersion="11" ma:contentTypeDescription="Crear nuevo documento." ma:contentTypeScope="" ma:versionID="d0fcb7be082571818566ec7f0792c127">
   <xsd:schema xmlns:xsd="http://www.w3.org/2001/XMLSchema" xmlns:xs="http://www.w3.org/2001/XMLSchema" xmlns:p="http://schemas.microsoft.com/office/2006/metadata/properties" xmlns:ns2="0ef74b79-eea9-4627-a828-399bbafc849a" xmlns:ns3="abda8e96-7344-4d17-956c-693bd1d42c05" targetNamespace="http://schemas.microsoft.com/office/2006/metadata/properties" ma:root="true" ma:fieldsID="88c34db515baf86ec4e6b15bfc2e5b89" ns2:_="" ns3:_="">
     <xsd:import namespace="0ef74b79-eea9-4627-a828-399bbafc849a"/>
@@ -13747,15 +12361,6 @@
 </ct:contentTypeSchema>
 </file>
 
-<file path=customXml/item2.xml><?xml version="1.0" encoding="utf-8"?>
-<?mso-contentType ?>
-<FormTemplates xmlns="http://schemas.microsoft.com/sharepoint/v3/contenttype/forms">
-  <Display>DocumentLibraryForm</Display>
-  <Edit>DocumentLibraryForm</Edit>
-  <New>DocumentLibraryForm</New>
-</FormTemplates>
-</file>
-
 <file path=customXml/item3.xml><?xml version="1.0" encoding="utf-8"?>
 <p:properties xmlns:p="http://schemas.microsoft.com/office/2006/metadata/properties" xmlns:xsi="http://www.w3.org/2001/XMLSchema-instance" xmlns:pc="http://schemas.microsoft.com/office/infopath/2007/PartnerControls">
   <documentManagement>
@@ -13768,6 +12373,14 @@
 </file>
 
 <file path=customXml/itemProps1.xml><?xml version="1.0" encoding="utf-8"?>
+<ds:datastoreItem xmlns:ds="http://schemas.openxmlformats.org/officeDocument/2006/customXml" ds:itemID="{245AB8DD-02C5-4F09-8AB9-E951554321F6}">
+  <ds:schemaRefs>
+    <ds:schemaRef ds:uri="http://schemas.microsoft.com/sharepoint/v3/contenttype/forms"/>
+  </ds:schemaRefs>
+</ds:datastoreItem>
+</file>
+
+<file path=customXml/itemProps2.xml><?xml version="1.0" encoding="utf-8"?>
 <ds:datastoreItem xmlns:ds="http://schemas.openxmlformats.org/officeDocument/2006/customXml" ds:itemID="{99272B4D-8ADE-4AED-B8EC-5667AC52F7A0}">
   <ds:schemaRefs>
     <ds:schemaRef ds:uri="http://schemas.microsoft.com/office/2006/metadata/contentType"/>
@@ -13782,14 +12395,6 @@
     <ds:schemaRef ds:uri="http://purl.org/dc/elements/1.1/"/>
     <ds:schemaRef ds:uri="http://purl.org/dc/terms/"/>
     <ds:schemaRef ds:uri="http://schemas.microsoft.com/internal/obd"/>
-  </ds:schemaRefs>
-</ds:datastoreItem>
-</file>
-
-<file path=customXml/itemProps2.xml><?xml version="1.0" encoding="utf-8"?>
-<ds:datastoreItem xmlns:ds="http://schemas.openxmlformats.org/officeDocument/2006/customXml" ds:itemID="{245AB8DD-02C5-4F09-8AB9-E951554321F6}">
-  <ds:schemaRefs>
-    <ds:schemaRef ds:uri="http://schemas.microsoft.com/sharepoint/v3/contenttype/forms"/>
   </ds:schemaRefs>
 </ds:datastoreItem>
 </file>

--- a/Alexander Prado - Sustentación de proyecto.pptx
+++ b/Alexander Prado - Sustentación de proyecto.pptx
@@ -136,73 +136,6 @@
     <p1510:client id="{6964D637-C09F-4A45-9CD9-B8A3E9771BC8}" v="4" dt="2025-09-30T14:34:40.970"/>
   </p1510:revLst>
 </p1510:revInfo>
-</file>
-
-<file path=ppt/changesInfos/changesInfo1.xml><?xml version="1.0" encoding="utf-8"?>
-<pc:chgInfo xmlns:a="http://schemas.openxmlformats.org/drawingml/2006/main" xmlns:r="http://schemas.openxmlformats.org/officeDocument/2006/relationships" xmlns:ac="http://schemas.microsoft.com/office/drawing/2013/main/command" xmlns:pc="http://schemas.microsoft.com/office/powerpoint/2013/main/command">
-  <pc:docChgLst>
-    <pc:chgData name="PRADO, ALEXANDER" userId="a7d044b8-125b-432f-bb71-a22b3c344639" providerId="ADAL" clId="{6964D637-C09F-4A45-9CD9-B8A3E9771BC8}"/>
-    <pc:docChg chg="undo redo custSel modSld">
-      <pc:chgData name="PRADO, ALEXANDER" userId="a7d044b8-125b-432f-bb71-a22b3c344639" providerId="ADAL" clId="{6964D637-C09F-4A45-9CD9-B8A3E9771BC8}" dt="2025-09-30T14:53:13.583" v="1330" actId="20577"/>
-      <pc:docMkLst>
-        <pc:docMk/>
-      </pc:docMkLst>
-      <pc:sldChg chg="modSp mod">
-        <pc:chgData name="PRADO, ALEXANDER" userId="a7d044b8-125b-432f-bb71-a22b3c344639" providerId="ADAL" clId="{6964D637-C09F-4A45-9CD9-B8A3E9771BC8}" dt="2025-09-30T14:39:12.876" v="1319" actId="1076"/>
-        <pc:sldMkLst>
-          <pc:docMk/>
-          <pc:sldMk cId="101302636" sldId="256"/>
-        </pc:sldMkLst>
-        <pc:spChg chg="mod">
-          <ac:chgData name="PRADO, ALEXANDER" userId="a7d044b8-125b-432f-bb71-a22b3c344639" providerId="ADAL" clId="{6964D637-C09F-4A45-9CD9-B8A3E9771BC8}" dt="2025-09-30T14:39:12.876" v="1319" actId="1076"/>
-          <ac:spMkLst>
-            <pc:docMk/>
-            <pc:sldMk cId="101302636" sldId="256"/>
-            <ac:spMk id="9" creationId="{447E0738-B3C9-47B1-AA2B-5CAEEE4C1AED}"/>
-          </ac:spMkLst>
-        </pc:spChg>
-        <pc:spChg chg="mod">
-          <ac:chgData name="PRADO, ALEXANDER" userId="a7d044b8-125b-432f-bb71-a22b3c344639" providerId="ADAL" clId="{6964D637-C09F-4A45-9CD9-B8A3E9771BC8}" dt="2025-09-30T14:39:07.671" v="1318" actId="1076"/>
-          <ac:spMkLst>
-            <pc:docMk/>
-            <pc:sldMk cId="101302636" sldId="256"/>
-            <ac:spMk id="12" creationId="{563C1BDC-4BC0-40AB-976D-7B8BDA6F4654}"/>
-          </ac:spMkLst>
-        </pc:spChg>
-      </pc:sldChg>
-      <pc:sldChg chg="modSp mod">
-        <pc:chgData name="PRADO, ALEXANDER" userId="a7d044b8-125b-432f-bb71-a22b3c344639" providerId="ADAL" clId="{6964D637-C09F-4A45-9CD9-B8A3E9771BC8}" dt="2025-09-30T14:53:13.583" v="1330" actId="20577"/>
-        <pc:sldMkLst>
-          <pc:docMk/>
-          <pc:sldMk cId="3543859791" sldId="268"/>
-        </pc:sldMkLst>
-        <pc:spChg chg="mod">
-          <ac:chgData name="PRADO, ALEXANDER" userId="a7d044b8-125b-432f-bb71-a22b3c344639" providerId="ADAL" clId="{6964D637-C09F-4A45-9CD9-B8A3E9771BC8}" dt="2025-09-30T14:53:13.583" v="1330" actId="20577"/>
-          <ac:spMkLst>
-            <pc:docMk/>
-            <pc:sldMk cId="3543859791" sldId="268"/>
-            <ac:spMk id="8" creationId="{209D8890-06C1-4DCE-BC69-14F608DC2B18}"/>
-          </ac:spMkLst>
-        </pc:spChg>
-      </pc:sldChg>
-      <pc:sldChg chg="addSp modSp mod">
-        <pc:chgData name="PRADO, ALEXANDER" userId="a7d044b8-125b-432f-bb71-a22b3c344639" providerId="ADAL" clId="{6964D637-C09F-4A45-9CD9-B8A3E9771BC8}" dt="2025-09-30T14:34:46.595" v="1317" actId="207"/>
-        <pc:sldMkLst>
-          <pc:docMk/>
-          <pc:sldMk cId="4205393331" sldId="270"/>
-        </pc:sldMkLst>
-        <pc:spChg chg="add mod">
-          <ac:chgData name="PRADO, ALEXANDER" userId="a7d044b8-125b-432f-bb71-a22b3c344639" providerId="ADAL" clId="{6964D637-C09F-4A45-9CD9-B8A3E9771BC8}" dt="2025-09-30T14:34:46.595" v="1317" actId="207"/>
-          <ac:spMkLst>
-            <pc:docMk/>
-            <pc:sldMk cId="4205393331" sldId="270"/>
-            <ac:spMk id="3" creationId="{A506CEEA-1678-185A-FD1B-802B77B99ACB}"/>
-          </ac:spMkLst>
-        </pc:spChg>
-      </pc:sldChg>
-    </pc:docChg>
-  </pc:docChgLst>
-</pc:chgInfo>
 </file>
 
 <file path=ppt/notesMasters/notesMaster1.xml><?xml version="1.0" encoding="utf-8"?>
@@ -10507,45 +10440,6 @@
           </a:extLst>
         </p:spPr>
       </p:pic>
-      <p:sp>
-        <p:nvSpPr>
-          <p:cNvPr id="3" name="CuadroTexto 2">
-            <a:extLst>
-              <a:ext uri="{FF2B5EF4-FFF2-40B4-BE49-F238E27FC236}">
-                <a16:creationId xmlns:a16="http://schemas.microsoft.com/office/drawing/2014/main" id="{989A9892-0FD6-4124-805A-988C237C9F82}"/>
-              </a:ext>
-            </a:extLst>
-          </p:cNvPr>
-          <p:cNvSpPr txBox="1"/>
-          <p:nvPr/>
-        </p:nvSpPr>
-        <p:spPr>
-          <a:xfrm>
-            <a:off x="2808514" y="1565167"/>
-            <a:ext cx="3415004" cy="830997"/>
-          </a:xfrm>
-          <a:prstGeom prst="rect">
-            <a:avLst/>
-          </a:prstGeom>
-          <a:noFill/>
-        </p:spPr>
-        <p:txBody>
-          <a:bodyPr wrap="square" rtlCol="0">
-            <a:spAutoFit/>
-          </a:bodyPr>
-          <a:lstStyle/>
-          <a:p>
-            <a:r>
-              <a:rPr lang="es-PA" sz="4800" b="1" dirty="0">
-                <a:solidFill>
-                  <a:srgbClr val="002060"/>
-                </a:solidFill>
-              </a:rPr>
-              <a:t>OPCIONAL</a:t>
-            </a:r>
-          </a:p>
-        </p:txBody>
-      </p:sp>
     </p:spTree>
     <p:extLst>
       <p:ext uri="{BB962C8B-B14F-4D97-AF65-F5344CB8AC3E}">
@@ -12158,15 +12052,6 @@
 </file>
 
 <file path=customXml/item1.xml><?xml version="1.0" encoding="utf-8"?>
-<?mso-contentType ?>
-<FormTemplates xmlns="http://schemas.microsoft.com/sharepoint/v3/contenttype/forms">
-  <Display>DocumentLibraryForm</Display>
-  <Edit>DocumentLibraryForm</Edit>
-  <New>DocumentLibraryForm</New>
-</FormTemplates>
-</file>
-
-<file path=customXml/item2.xml><?xml version="1.0" encoding="utf-8"?>
 <ct:contentTypeSchema xmlns:ct="http://schemas.microsoft.com/office/2006/metadata/contentType" xmlns:ma="http://schemas.microsoft.com/office/2006/metadata/properties/metaAttributes" ct:_="" ma:_="" ma:contentTypeName="Documento" ma:contentTypeID="0x0101008390B5CD4679814B9C8C0B95F6BF20A2" ma:contentTypeVersion="11" ma:contentTypeDescription="Crear nuevo documento." ma:contentTypeScope="" ma:versionID="d0fcb7be082571818566ec7f0792c127">
   <xsd:schema xmlns:xsd="http://www.w3.org/2001/XMLSchema" xmlns:xs="http://www.w3.org/2001/XMLSchema" xmlns:p="http://schemas.microsoft.com/office/2006/metadata/properties" xmlns:ns2="0ef74b79-eea9-4627-a828-399bbafc849a" xmlns:ns3="abda8e96-7344-4d17-956c-693bd1d42c05" targetNamespace="http://schemas.microsoft.com/office/2006/metadata/properties" ma:root="true" ma:fieldsID="88c34db515baf86ec4e6b15bfc2e5b89" ns2:_="" ns3:_="">
     <xsd:import namespace="0ef74b79-eea9-4627-a828-399bbafc849a"/>
@@ -12361,6 +12246,15 @@
 </ct:contentTypeSchema>
 </file>
 
+<file path=customXml/item2.xml><?xml version="1.0" encoding="utf-8"?>
+<?mso-contentType ?>
+<FormTemplates xmlns="http://schemas.microsoft.com/sharepoint/v3/contenttype/forms">
+  <Display>DocumentLibraryForm</Display>
+  <Edit>DocumentLibraryForm</Edit>
+  <New>DocumentLibraryForm</New>
+</FormTemplates>
+</file>
+
 <file path=customXml/item3.xml><?xml version="1.0" encoding="utf-8"?>
 <p:properties xmlns:p="http://schemas.microsoft.com/office/2006/metadata/properties" xmlns:xsi="http://www.w3.org/2001/XMLSchema-instance" xmlns:pc="http://schemas.microsoft.com/office/infopath/2007/PartnerControls">
   <documentManagement>
@@ -12373,14 +12267,6 @@
 </file>
 
 <file path=customXml/itemProps1.xml><?xml version="1.0" encoding="utf-8"?>
-<ds:datastoreItem xmlns:ds="http://schemas.openxmlformats.org/officeDocument/2006/customXml" ds:itemID="{245AB8DD-02C5-4F09-8AB9-E951554321F6}">
-  <ds:schemaRefs>
-    <ds:schemaRef ds:uri="http://schemas.microsoft.com/sharepoint/v3/contenttype/forms"/>
-  </ds:schemaRefs>
-</ds:datastoreItem>
-</file>
-
-<file path=customXml/itemProps2.xml><?xml version="1.0" encoding="utf-8"?>
 <ds:datastoreItem xmlns:ds="http://schemas.openxmlformats.org/officeDocument/2006/customXml" ds:itemID="{99272B4D-8ADE-4AED-B8EC-5667AC52F7A0}">
   <ds:schemaRefs>
     <ds:schemaRef ds:uri="http://schemas.microsoft.com/office/2006/metadata/contentType"/>
@@ -12395,6 +12281,14 @@
     <ds:schemaRef ds:uri="http://purl.org/dc/elements/1.1/"/>
     <ds:schemaRef ds:uri="http://purl.org/dc/terms/"/>
     <ds:schemaRef ds:uri="http://schemas.microsoft.com/internal/obd"/>
+  </ds:schemaRefs>
+</ds:datastoreItem>
+</file>
+
+<file path=customXml/itemProps2.xml><?xml version="1.0" encoding="utf-8"?>
+<ds:datastoreItem xmlns:ds="http://schemas.openxmlformats.org/officeDocument/2006/customXml" ds:itemID="{245AB8DD-02C5-4F09-8AB9-E951554321F6}">
+  <ds:schemaRefs>
+    <ds:schemaRef ds:uri="http://schemas.microsoft.com/sharepoint/v3/contenttype/forms"/>
   </ds:schemaRefs>
 </ds:datastoreItem>
 </file>
